--- a/Introduction to MUSIC.pptx
+++ b/Introduction to MUSIC.pptx
@@ -296,7 +296,7 @@
           <a:p>
             <a:fld id="{90F67765-78F1-40A0-969F-5CECE2C15D8F}" type="datetimeFigureOut">
               <a:rPr lang="en-US" smtClean="0"/>
-              <a:t>3/16/2015</a:t>
+              <a:t>3/24/2015</a:t>
             </a:fld>
             <a:endParaRPr lang="en-US"/>
           </a:p>
@@ -466,7 +466,7 @@
           <a:p>
             <a:fld id="{90F67765-78F1-40A0-969F-5CECE2C15D8F}" type="datetimeFigureOut">
               <a:rPr lang="en-US" smtClean="0"/>
-              <a:t>3/16/2015</a:t>
+              <a:t>3/24/2015</a:t>
             </a:fld>
             <a:endParaRPr lang="en-US"/>
           </a:p>
@@ -646,7 +646,7 @@
           <a:p>
             <a:fld id="{90F67765-78F1-40A0-969F-5CECE2C15D8F}" type="datetimeFigureOut">
               <a:rPr lang="en-US" smtClean="0"/>
-              <a:t>3/16/2015</a:t>
+              <a:t>3/24/2015</a:t>
             </a:fld>
             <a:endParaRPr lang="en-US"/>
           </a:p>
@@ -816,7 +816,7 @@
           <a:p>
             <a:fld id="{90F67765-78F1-40A0-969F-5CECE2C15D8F}" type="datetimeFigureOut">
               <a:rPr lang="en-US" smtClean="0"/>
-              <a:t>3/16/2015</a:t>
+              <a:t>3/24/2015</a:t>
             </a:fld>
             <a:endParaRPr lang="en-US"/>
           </a:p>
@@ -1062,7 +1062,7 @@
           <a:p>
             <a:fld id="{90F67765-78F1-40A0-969F-5CECE2C15D8F}" type="datetimeFigureOut">
               <a:rPr lang="en-US" smtClean="0"/>
-              <a:t>3/16/2015</a:t>
+              <a:t>3/24/2015</a:t>
             </a:fld>
             <a:endParaRPr lang="en-US"/>
           </a:p>
@@ -1350,7 +1350,7 @@
           <a:p>
             <a:fld id="{90F67765-78F1-40A0-969F-5CECE2C15D8F}" type="datetimeFigureOut">
               <a:rPr lang="en-US" smtClean="0"/>
-              <a:t>3/16/2015</a:t>
+              <a:t>3/24/2015</a:t>
             </a:fld>
             <a:endParaRPr lang="en-US"/>
           </a:p>
@@ -1772,7 +1772,7 @@
           <a:p>
             <a:fld id="{90F67765-78F1-40A0-969F-5CECE2C15D8F}" type="datetimeFigureOut">
               <a:rPr lang="en-US" smtClean="0"/>
-              <a:t>3/16/2015</a:t>
+              <a:t>3/24/2015</a:t>
             </a:fld>
             <a:endParaRPr lang="en-US"/>
           </a:p>
@@ -1890,7 +1890,7 @@
           <a:p>
             <a:fld id="{90F67765-78F1-40A0-969F-5CECE2C15D8F}" type="datetimeFigureOut">
               <a:rPr lang="en-US" smtClean="0"/>
-              <a:t>3/16/2015</a:t>
+              <a:t>3/24/2015</a:t>
             </a:fld>
             <a:endParaRPr lang="en-US"/>
           </a:p>
@@ -1985,7 +1985,7 @@
           <a:p>
             <a:fld id="{90F67765-78F1-40A0-969F-5CECE2C15D8F}" type="datetimeFigureOut">
               <a:rPr lang="en-US" smtClean="0"/>
-              <a:t>3/16/2015</a:t>
+              <a:t>3/24/2015</a:t>
             </a:fld>
             <a:endParaRPr lang="en-US"/>
           </a:p>
@@ -2262,7 +2262,7 @@
           <a:p>
             <a:fld id="{90F67765-78F1-40A0-969F-5CECE2C15D8F}" type="datetimeFigureOut">
               <a:rPr lang="en-US" smtClean="0"/>
-              <a:t>3/16/2015</a:t>
+              <a:t>3/24/2015</a:t>
             </a:fld>
             <a:endParaRPr lang="en-US"/>
           </a:p>
@@ -2515,7 +2515,7 @@
           <a:p>
             <a:fld id="{90F67765-78F1-40A0-969F-5CECE2C15D8F}" type="datetimeFigureOut">
               <a:rPr lang="en-US" smtClean="0"/>
-              <a:t>3/16/2015</a:t>
+              <a:t>3/24/2015</a:t>
             </a:fld>
             <a:endParaRPr lang="en-US"/>
           </a:p>
@@ -2728,7 +2728,7 @@
           <a:p>
             <a:fld id="{90F67765-78F1-40A0-969F-5CECE2C15D8F}" type="datetimeFigureOut">
               <a:rPr lang="en-US" smtClean="0"/>
-              <a:t>3/16/2015</a:t>
+              <a:t>3/24/2015</a:t>
             </a:fld>
             <a:endParaRPr lang="en-US"/>
           </a:p>
@@ -3275,7 +3275,6 @@
               <a:rPr lang="en-US" dirty="0" smtClean="0"/>
               <a:t>At most several hundred base pairs</a:t>
             </a:r>
-            <a:endParaRPr lang="en-US" dirty="0" smtClean="0"/>
           </a:p>
           <a:p>
             <a:r>
@@ -3700,11 +3699,7 @@
             </a:r>
             <a:r>
               <a:rPr lang="en-US" sz="2000" baseline="30000" dirty="0" smtClean="0"/>
-              <a:t>(</a:t>
-            </a:r>
-            <a:r>
-              <a:rPr lang="en-US" sz="2000" baseline="30000" dirty="0" smtClean="0"/>
-              <a:t>arif.harmanci@yale.edu)</a:t>
+              <a:t>(arif.harmanci@yale.edu)</a:t>
             </a:r>
             <a:r>
               <a:rPr lang="en-US" sz="1700" baseline="30000" dirty="0" smtClean="0"/>
@@ -4093,11 +4088,7 @@
             </a:r>
             <a:r>
               <a:rPr lang="en-US" dirty="0" smtClean="0"/>
-              <a:t> enrichment </a:t>
-            </a:r>
-            <a:r>
-              <a:rPr lang="en-US" dirty="0" smtClean="0"/>
-              <a:t>is good when sensitivity is close to 100% for the selected </a:t>
+              <a:t> enrichment is good when sensitivity is close to 100% for the selected </a:t>
             </a:r>
             <a:r>
               <a:rPr lang="en-US" dirty="0" err="1" smtClean="0"/>
@@ -4730,7 +4721,7 @@
         </p:nvSpPr>
         <p:spPr>
           <a:xfrm>
-            <a:off x="457200" y="0"/>
+            <a:off x="457200" y="-76200"/>
             <a:ext cx="8229600" cy="1143000"/>
           </a:xfrm>
         </p:spPr>
@@ -4758,13 +4749,13 @@
         </p:nvSpPr>
         <p:spPr>
           <a:xfrm>
-            <a:off x="457200" y="990600"/>
-            <a:ext cx="8229600" cy="5562600"/>
+            <a:off x="457200" y="914400"/>
+            <a:ext cx="8229600" cy="6477000"/>
           </a:xfrm>
         </p:spPr>
         <p:txBody>
           <a:bodyPr>
-            <a:normAutofit fontScale="92500" lnSpcReduction="20000"/>
+            <a:normAutofit fontScale="70000" lnSpcReduction="20000"/>
           </a:bodyPr>
           <a:lstStyle/>
           <a:p>
@@ -4876,11 +4867,7 @@
             </a:r>
             <a:r>
               <a:rPr lang="en-US" dirty="0" smtClean="0"/>
-              <a:t> profile is generated, </a:t>
-            </a:r>
-            <a:r>
-              <a:rPr lang="en-US" smtClean="0"/>
-              <a:t>use </a:t>
+              <a:t> profile is generated, use </a:t>
             </a:r>
           </a:p>
           <a:p>
@@ -4888,7 +4875,7 @@
               <a:buNone/>
             </a:pPr>
             <a:r>
-              <a:rPr lang="en-US" sz="2200" i="1" smtClean="0"/>
+              <a:rPr lang="en-US" sz="2200" i="1" dirty="0" smtClean="0"/>
               <a:t>–</a:t>
             </a:r>
             <a:r>
@@ -4897,8 +4884,141 @@
             </a:r>
             <a:r>
               <a:rPr lang="en-US" dirty="0" smtClean="0"/>
-              <a:t> to specify it.</a:t>
-            </a:r>
+              <a:t> to specify it</a:t>
+            </a:r>
+            <a:r>
+              <a:rPr lang="en-US" dirty="0" smtClean="0"/>
+              <a:t>.</a:t>
+            </a:r>
+          </a:p>
+          <a:p>
+            <a:r>
+              <a:rPr lang="en-US" dirty="0" smtClean="0"/>
+              <a:t>Several of the</a:t>
+            </a:r>
+          </a:p>
+          <a:p>
+            <a:r>
+              <a:rPr lang="en-US" dirty="0"/>
+              <a:t>Broad </a:t>
+            </a:r>
+            <a:r>
+              <a:rPr lang="en-US" dirty="0" smtClean="0"/>
+              <a:t>Marks (</a:t>
+            </a:r>
+            <a:r>
+              <a:rPr lang="en-US" i="1" dirty="0"/>
+              <a:t>-</a:t>
+            </a:r>
+            <a:r>
+              <a:rPr lang="en-US" i="1" dirty="0" err="1" smtClean="0"/>
+              <a:t>get_multiscale_broad_ERs</a:t>
+            </a:r>
+            <a:r>
+              <a:rPr lang="en-US" i="1" dirty="0" smtClean="0"/>
+              <a:t>)</a:t>
+            </a:r>
+            <a:endParaRPr lang="en-US" dirty="0" smtClean="0"/>
+          </a:p>
+          <a:p>
+            <a:pPr lvl="1"/>
+            <a:r>
+              <a:rPr lang="en-US" dirty="0" smtClean="0"/>
+              <a:t>H3K36me3, H3K27me3, H3K9me3, H3K79me2, H4K20me1, …</a:t>
+            </a:r>
+          </a:p>
+          <a:p>
+            <a:r>
+              <a:rPr lang="en-US" dirty="0" smtClean="0"/>
+              <a:t>Punctate </a:t>
+            </a:r>
+            <a:r>
+              <a:rPr lang="en-US" dirty="0"/>
+              <a:t>Marks (</a:t>
+            </a:r>
+            <a:r>
+              <a:rPr lang="en-US" i="1" dirty="0"/>
+              <a:t>-</a:t>
+            </a:r>
+            <a:r>
+              <a:rPr lang="en-US" i="1" dirty="0" err="1" smtClean="0"/>
+              <a:t>get_multiscale_punctate_ERs</a:t>
+            </a:r>
+            <a:r>
+              <a:rPr lang="en-US" i="1" dirty="0"/>
+              <a:t>)</a:t>
+            </a:r>
+            <a:endParaRPr lang="en-US" dirty="0" smtClean="0"/>
+          </a:p>
+          <a:p>
+            <a:pPr lvl="1"/>
+            <a:r>
+              <a:rPr lang="en-US" dirty="0" smtClean="0"/>
+              <a:t>H3K4me3, H3K27ac, H3K4me1, Pol2, …</a:t>
+            </a:r>
+          </a:p>
+          <a:p>
+            <a:pPr lvl="1"/>
+            <a:r>
+              <a:rPr lang="en-US" b="1" i="1" smtClean="0"/>
+              <a:t>MUSIC identifies the </a:t>
+            </a:r>
+            <a:r>
+              <a:rPr lang="en-US" b="1" i="1" dirty="0" smtClean="0"/>
+              <a:t>troughs for these ERs</a:t>
+            </a:r>
+          </a:p>
+          <a:p>
+            <a:r>
+              <a:rPr lang="en-US" dirty="0" smtClean="0"/>
+              <a:t>TFs (</a:t>
+            </a:r>
+            <a:r>
+              <a:rPr lang="en-US" i="1" dirty="0" smtClean="0"/>
+              <a:t>-</a:t>
+            </a:r>
+            <a:r>
+              <a:rPr lang="en-US" i="1" dirty="0" err="1" smtClean="0"/>
+              <a:t>get_TF_peaks</a:t>
+            </a:r>
+            <a:r>
+              <a:rPr lang="en-US" dirty="0" smtClean="0"/>
+              <a:t>): Activators, Repressors, </a:t>
+            </a:r>
+          </a:p>
+          <a:p>
+            <a:pPr lvl="1"/>
+            <a:r>
+              <a:rPr lang="en-US" dirty="0" smtClean="0"/>
+              <a:t>A lot; </a:t>
+            </a:r>
+            <a:r>
+              <a:rPr lang="en-US" dirty="0"/>
+              <a:t>CTCF, </a:t>
+            </a:r>
+            <a:r>
+              <a:rPr lang="en-US" dirty="0" smtClean="0"/>
+              <a:t>Oct2, Sox4, </a:t>
+            </a:r>
+            <a:r>
+              <a:rPr lang="en-US" dirty="0" err="1" smtClean="0"/>
+              <a:t>Nanog</a:t>
+            </a:r>
+            <a:r>
+              <a:rPr lang="en-US" dirty="0" smtClean="0"/>
+              <a:t>, P300, CBP, …</a:t>
+            </a:r>
+            <a:endParaRPr lang="en-US" dirty="0"/>
+          </a:p>
+          <a:p>
+            <a:pPr lvl="1"/>
+            <a:endParaRPr lang="en-US" dirty="0" smtClean="0"/>
+          </a:p>
+          <a:p>
+            <a:pPr marL="0" indent="0">
+              <a:buNone/>
+            </a:pPr>
+            <a:endParaRPr lang="en-US" dirty="0" smtClean="0"/>
           </a:p>
           <a:p>
             <a:pPr marL="0" indent="0">

--- a/Introduction to MUSIC.pptx
+++ b/Introduction to MUSIC.pptx
@@ -296,7 +296,7 @@
           <a:p>
             <a:fld id="{90F67765-78F1-40A0-969F-5CECE2C15D8F}" type="datetimeFigureOut">
               <a:rPr lang="en-US" smtClean="0"/>
-              <a:t>3/24/2015</a:t>
+              <a:t>4/8/2015</a:t>
             </a:fld>
             <a:endParaRPr lang="en-US"/>
           </a:p>
@@ -466,7 +466,7 @@
           <a:p>
             <a:fld id="{90F67765-78F1-40A0-969F-5CECE2C15D8F}" type="datetimeFigureOut">
               <a:rPr lang="en-US" smtClean="0"/>
-              <a:t>3/24/2015</a:t>
+              <a:t>4/8/2015</a:t>
             </a:fld>
             <a:endParaRPr lang="en-US"/>
           </a:p>
@@ -646,7 +646,7 @@
           <a:p>
             <a:fld id="{90F67765-78F1-40A0-969F-5CECE2C15D8F}" type="datetimeFigureOut">
               <a:rPr lang="en-US" smtClean="0"/>
-              <a:t>3/24/2015</a:t>
+              <a:t>4/8/2015</a:t>
             </a:fld>
             <a:endParaRPr lang="en-US"/>
           </a:p>
@@ -816,7 +816,7 @@
           <a:p>
             <a:fld id="{90F67765-78F1-40A0-969F-5CECE2C15D8F}" type="datetimeFigureOut">
               <a:rPr lang="en-US" smtClean="0"/>
-              <a:t>3/24/2015</a:t>
+              <a:t>4/8/2015</a:t>
             </a:fld>
             <a:endParaRPr lang="en-US"/>
           </a:p>
@@ -1062,7 +1062,7 @@
           <a:p>
             <a:fld id="{90F67765-78F1-40A0-969F-5CECE2C15D8F}" type="datetimeFigureOut">
               <a:rPr lang="en-US" smtClean="0"/>
-              <a:t>3/24/2015</a:t>
+              <a:t>4/8/2015</a:t>
             </a:fld>
             <a:endParaRPr lang="en-US"/>
           </a:p>
@@ -1350,7 +1350,7 @@
           <a:p>
             <a:fld id="{90F67765-78F1-40A0-969F-5CECE2C15D8F}" type="datetimeFigureOut">
               <a:rPr lang="en-US" smtClean="0"/>
-              <a:t>3/24/2015</a:t>
+              <a:t>4/8/2015</a:t>
             </a:fld>
             <a:endParaRPr lang="en-US"/>
           </a:p>
@@ -1772,7 +1772,7 @@
           <a:p>
             <a:fld id="{90F67765-78F1-40A0-969F-5CECE2C15D8F}" type="datetimeFigureOut">
               <a:rPr lang="en-US" smtClean="0"/>
-              <a:t>3/24/2015</a:t>
+              <a:t>4/8/2015</a:t>
             </a:fld>
             <a:endParaRPr lang="en-US"/>
           </a:p>
@@ -1890,7 +1890,7 @@
           <a:p>
             <a:fld id="{90F67765-78F1-40A0-969F-5CECE2C15D8F}" type="datetimeFigureOut">
               <a:rPr lang="en-US" smtClean="0"/>
-              <a:t>3/24/2015</a:t>
+              <a:t>4/8/2015</a:t>
             </a:fld>
             <a:endParaRPr lang="en-US"/>
           </a:p>
@@ -1985,7 +1985,7 @@
           <a:p>
             <a:fld id="{90F67765-78F1-40A0-969F-5CECE2C15D8F}" type="datetimeFigureOut">
               <a:rPr lang="en-US" smtClean="0"/>
-              <a:t>3/24/2015</a:t>
+              <a:t>4/8/2015</a:t>
             </a:fld>
             <a:endParaRPr lang="en-US"/>
           </a:p>
@@ -2262,7 +2262,7 @@
           <a:p>
             <a:fld id="{90F67765-78F1-40A0-969F-5CECE2C15D8F}" type="datetimeFigureOut">
               <a:rPr lang="en-US" smtClean="0"/>
-              <a:t>3/24/2015</a:t>
+              <a:t>4/8/2015</a:t>
             </a:fld>
             <a:endParaRPr lang="en-US"/>
           </a:p>
@@ -2515,7 +2515,7 @@
           <a:p>
             <a:fld id="{90F67765-78F1-40A0-969F-5CECE2C15D8F}" type="datetimeFigureOut">
               <a:rPr lang="en-US" smtClean="0"/>
-              <a:t>3/24/2015</a:t>
+              <a:t>4/8/2015</a:t>
             </a:fld>
             <a:endParaRPr lang="en-US"/>
           </a:p>
@@ -2728,7 +2728,7 @@
           <a:p>
             <a:fld id="{90F67765-78F1-40A0-969F-5CECE2C15D8F}" type="datetimeFigureOut">
               <a:rPr lang="en-US" smtClean="0"/>
-              <a:t>3/24/2015</a:t>
+              <a:t>4/8/2015</a:t>
             </a:fld>
             <a:endParaRPr lang="en-US"/>
           </a:p>
@@ -3912,7 +3912,7 @@
         </p:nvSpPr>
         <p:spPr>
           <a:xfrm>
-            <a:off x="457200" y="0"/>
+            <a:off x="457200" y="-304800"/>
             <a:ext cx="8229600" cy="1143000"/>
           </a:xfrm>
         </p:spPr>
@@ -3940,13 +3940,13 @@
         </p:nvSpPr>
         <p:spPr>
           <a:xfrm>
-            <a:off x="457200" y="990600"/>
-            <a:ext cx="8229600" cy="5638800"/>
+            <a:off x="457200" y="685800"/>
+            <a:ext cx="8229600" cy="6400800"/>
           </a:xfrm>
         </p:spPr>
         <p:txBody>
           <a:bodyPr>
-            <a:normAutofit fontScale="92500" lnSpcReduction="10000"/>
+            <a:normAutofit fontScale="77500" lnSpcReduction="20000"/>
           </a:bodyPr>
           <a:lstStyle/>
           <a:p>
@@ -4016,23 +4016,39 @@
               <a:buChar char="•"/>
             </a:pPr>
             <a:r>
-              <a:rPr lang="en-US" sz="1200" i="1" dirty="0" err="1"/>
+              <a:rPr lang="en-US" sz="1500" i="1" dirty="0" err="1"/>
               <a:t>l_win</a:t>
             </a:r>
             <a:r>
-              <a:rPr lang="en-US" sz="1200" i="1" dirty="0"/>
-              <a:t>: 1700	FNR: (FC:0.001) (p-val:0.001)	FPR: (FC:0.101) (p-val:0.055)	</a:t>
-            </a:r>
-            <a:r>
-              <a:rPr lang="en-US" sz="1200" i="1" dirty="0" err="1"/>
+              <a:rPr lang="en-US" sz="1500" i="1" dirty="0"/>
+              <a:t>: 1700	FNR: (FC:0.001) (p-val:0.001)	FPR: (</a:t>
+            </a:r>
+            <a:r>
+              <a:rPr lang="en-US" sz="1500" i="1" dirty="0" smtClean="0"/>
+              <a:t>FC:0.0101</a:t>
+            </a:r>
+            <a:r>
+              <a:rPr lang="en-US" sz="1500" i="1" dirty="0"/>
+              <a:t>) (</a:t>
+            </a:r>
+            <a:r>
+              <a:rPr lang="en-US" sz="1500" i="1" dirty="0" smtClean="0"/>
+              <a:t>p-val:0.0055</a:t>
+            </a:r>
+            <a:r>
+              <a:rPr lang="en-US" sz="1500" i="1" dirty="0"/>
+              <a:t>)	</a:t>
+            </a:r>
+            <a:r>
+              <a:rPr lang="en-US" sz="1500" i="1" dirty="0" err="1"/>
               <a:t>Sentitivity</a:t>
             </a:r>
             <a:r>
-              <a:rPr lang="en-US" sz="1200" i="1" dirty="0"/>
+              <a:rPr lang="en-US" sz="1500" i="1" dirty="0"/>
               <a:t>: </a:t>
             </a:r>
             <a:r>
-              <a:rPr lang="en-US" sz="1200" i="1" dirty="0" smtClean="0"/>
+              <a:rPr lang="en-US" sz="1500" i="1" dirty="0" smtClean="0"/>
               <a:t>0.999</a:t>
             </a:r>
           </a:p>
@@ -4066,7 +4082,7 @@
             </a:r>
             <a:r>
               <a:rPr lang="en-US" dirty="0" smtClean="0"/>
-              <a:t> such that where FPR for FC and p-value is below 10% (or very close)</a:t>
+              <a:t> such that where FPR for FC and p-value is below 1% (or very close)</a:t>
             </a:r>
           </a:p>
           <a:p>
@@ -4075,20 +4091,84 @@
               <a:buChar char="•"/>
             </a:pPr>
             <a:r>
-              <a:rPr lang="en-US" b="1" i="1" dirty="0" smtClean="0"/>
-              <a:t>Rule of thumb:</a:t>
-            </a:r>
-            <a:r>
-              <a:rPr lang="en-US" dirty="0" smtClean="0"/>
+              <a:rPr lang="en-US" dirty="0" smtClean="0"/>
+              <a:t>Personally, we like inspecting this file since it gives an idea about whether the enrichment worked well.</a:t>
+            </a:r>
+          </a:p>
+          <a:p>
+            <a:pPr lvl="2"/>
+            <a:r>
+              <a:rPr lang="en-US" b="1" dirty="0" smtClean="0"/>
+              <a:t>If you don’t want to look at this file run MUSIC with ‘-</a:t>
+            </a:r>
+            <a:r>
+              <a:rPr lang="en-US" b="1" dirty="0" err="1" smtClean="0"/>
+              <a:t>l_p</a:t>
+            </a:r>
+            <a:r>
+              <a:rPr lang="en-US" b="1" dirty="0" smtClean="0"/>
+              <a:t> 0’, which tells MUSIC to select </a:t>
+            </a:r>
+            <a:r>
+              <a:rPr lang="en-US" b="1" dirty="0" err="1" smtClean="0"/>
+              <a:t>l_p</a:t>
+            </a:r>
+            <a:r>
+              <a:rPr lang="en-US" b="1" dirty="0" smtClean="0"/>
+              <a:t> parameter automatically from the file above.</a:t>
+            </a:r>
+          </a:p>
+          <a:p>
+            <a:pPr lvl="3"/>
+            <a:r>
+              <a:rPr lang="en-US" dirty="0" smtClean="0"/>
+              <a:t>You have to still run </a:t>
+            </a:r>
+            <a:r>
+              <a:rPr lang="en-US" i="1" dirty="0"/>
+              <a:t>-</a:t>
+            </a:r>
+            <a:r>
+              <a:rPr lang="en-US" i="1" dirty="0" err="1"/>
+              <a:t>get_per_win_p_vals_FC</a:t>
+            </a:r>
+            <a:r>
+              <a:rPr lang="en-US" i="1" dirty="0"/>
               <a:t> </a:t>
             </a:r>
             <a:r>
+              <a:rPr lang="en-US" dirty="0" smtClean="0"/>
+              <a:t>for </a:t>
+            </a:r>
+            <a:r>
+              <a:rPr lang="en-US" smtClean="0"/>
+              <a:t>this </a:t>
+            </a:r>
+            <a:r>
+              <a:rPr lang="en-US" smtClean="0"/>
+              <a:t>to work</a:t>
+            </a:r>
+            <a:r>
+              <a:rPr lang="en-US" dirty="0" smtClean="0"/>
+              <a:t>.</a:t>
+            </a:r>
+          </a:p>
+          <a:p>
+            <a:pPr lvl="1">
+              <a:buFont typeface="Arial" pitchFamily="34" charset="0"/>
+              <a:buChar char="•"/>
+            </a:pPr>
+            <a:r>
+              <a:rPr lang="en-US" dirty="0" smtClean="0"/>
+              <a:t>We added a script under bin/</a:t>
+            </a:r>
+            <a:r>
               <a:rPr lang="en-US" dirty="0" err="1" smtClean="0"/>
-              <a:t>ChIP</a:t>
-            </a:r>
-            <a:r>
-              <a:rPr lang="en-US" dirty="0" smtClean="0"/>
-              <a:t> enrichment is good when sensitivity is close to 100% for the selected </a:t>
+              <a:t>run_MUSIC.csh</a:t>
+            </a:r>
+            <a:r>
+              <a:rPr lang="en-US" dirty="0" smtClean="0"/>
+              <a:t> that automatically selects and runs MUSIC with the best </a:t>
             </a:r>
             <a:r>
               <a:rPr lang="en-US" dirty="0" err="1" smtClean="0"/>
@@ -4096,8 +4176,15 @@
             </a:r>
             <a:r>
               <a:rPr lang="en-US" dirty="0" smtClean="0"/>
-              <a:t>.</a:t>
-            </a:r>
+              <a:t> parameter. When you do not want to deal with looking at this file, use this script.</a:t>
+            </a:r>
+          </a:p>
+          <a:p>
+            <a:pPr lvl="1">
+              <a:buFont typeface="Arial" pitchFamily="34" charset="0"/>
+              <a:buChar char="•"/>
+            </a:pPr>
+            <a:endParaRPr lang="en-US" dirty="0" smtClean="0"/>
           </a:p>
           <a:p>
             <a:pPr lvl="1">
@@ -4884,11 +4971,7 @@
             </a:r>
             <a:r>
               <a:rPr lang="en-US" dirty="0" smtClean="0"/>
-              <a:t> to specify it</a:t>
-            </a:r>
-            <a:r>
-              <a:rPr lang="en-US" dirty="0" smtClean="0"/>
-              <a:t>.</a:t>
+              <a:t> to specify it.</a:t>
             </a:r>
           </a:p>
           <a:p>

--- a/Introduction to MUSIC.pptx
+++ b/Introduction to MUSIC.pptx
@@ -10,10 +10,12 @@
     <p:sldId id="258" r:id="rId4"/>
     <p:sldId id="259" r:id="rId5"/>
     <p:sldId id="260" r:id="rId6"/>
-    <p:sldId id="261" r:id="rId7"/>
-    <p:sldId id="262" r:id="rId8"/>
-    <p:sldId id="263" r:id="rId9"/>
-    <p:sldId id="264" r:id="rId10"/>
+    <p:sldId id="266" r:id="rId7"/>
+    <p:sldId id="261" r:id="rId8"/>
+    <p:sldId id="262" r:id="rId9"/>
+    <p:sldId id="263" r:id="rId10"/>
+    <p:sldId id="265" r:id="rId11"/>
+    <p:sldId id="264" r:id="rId12"/>
   </p:sldIdLst>
   <p:sldSz cx="9144000" cy="6858000" type="screen4x3"/>
   <p:notesSz cx="6858000" cy="9144000"/>
@@ -112,6 +114,22 @@
       </a:defRPr>
     </a:lvl9pPr>
   </p:defaultTextStyle>
+  <p:extLst>
+    <p:ext uri="{EFAFB233-063F-42B5-8137-9DF3F51BA10A}">
+      <p15:sldGuideLst xmlns:p15="http://schemas.microsoft.com/office/powerpoint/2012/main">
+        <p15:guide id="1" orient="horz" pos="2160">
+          <p15:clr>
+            <a:srgbClr val="A4A3A4"/>
+          </p15:clr>
+        </p15:guide>
+        <p15:guide id="2" pos="2880">
+          <p15:clr>
+            <a:srgbClr val="A4A3A4"/>
+          </p15:clr>
+        </p15:guide>
+      </p15:sldGuideLst>
+    </p:ext>
+  </p:extLst>
 </p:presentation>
 </file>
 
@@ -296,7 +314,7 @@
           <a:p>
             <a:fld id="{90F67765-78F1-40A0-969F-5CECE2C15D8F}" type="datetimeFigureOut">
               <a:rPr lang="en-US" smtClean="0"/>
-              <a:t>4/8/2015</a:t>
+              <a:t>4/28/2015</a:t>
             </a:fld>
             <a:endParaRPr lang="en-US"/>
           </a:p>
@@ -466,7 +484,7 @@
           <a:p>
             <a:fld id="{90F67765-78F1-40A0-969F-5CECE2C15D8F}" type="datetimeFigureOut">
               <a:rPr lang="en-US" smtClean="0"/>
-              <a:t>4/8/2015</a:t>
+              <a:t>4/28/2015</a:t>
             </a:fld>
             <a:endParaRPr lang="en-US"/>
           </a:p>
@@ -646,7 +664,7 @@
           <a:p>
             <a:fld id="{90F67765-78F1-40A0-969F-5CECE2C15D8F}" type="datetimeFigureOut">
               <a:rPr lang="en-US" smtClean="0"/>
-              <a:t>4/8/2015</a:t>
+              <a:t>4/28/2015</a:t>
             </a:fld>
             <a:endParaRPr lang="en-US"/>
           </a:p>
@@ -816,7 +834,7 @@
           <a:p>
             <a:fld id="{90F67765-78F1-40A0-969F-5CECE2C15D8F}" type="datetimeFigureOut">
               <a:rPr lang="en-US" smtClean="0"/>
-              <a:t>4/8/2015</a:t>
+              <a:t>4/28/2015</a:t>
             </a:fld>
             <a:endParaRPr lang="en-US"/>
           </a:p>
@@ -1062,7 +1080,7 @@
           <a:p>
             <a:fld id="{90F67765-78F1-40A0-969F-5CECE2C15D8F}" type="datetimeFigureOut">
               <a:rPr lang="en-US" smtClean="0"/>
-              <a:t>4/8/2015</a:t>
+              <a:t>4/28/2015</a:t>
             </a:fld>
             <a:endParaRPr lang="en-US"/>
           </a:p>
@@ -1350,7 +1368,7 @@
           <a:p>
             <a:fld id="{90F67765-78F1-40A0-969F-5CECE2C15D8F}" type="datetimeFigureOut">
               <a:rPr lang="en-US" smtClean="0"/>
-              <a:t>4/8/2015</a:t>
+              <a:t>4/28/2015</a:t>
             </a:fld>
             <a:endParaRPr lang="en-US"/>
           </a:p>
@@ -1772,7 +1790,7 @@
           <a:p>
             <a:fld id="{90F67765-78F1-40A0-969F-5CECE2C15D8F}" type="datetimeFigureOut">
               <a:rPr lang="en-US" smtClean="0"/>
-              <a:t>4/8/2015</a:t>
+              <a:t>4/28/2015</a:t>
             </a:fld>
             <a:endParaRPr lang="en-US"/>
           </a:p>
@@ -1890,7 +1908,7 @@
           <a:p>
             <a:fld id="{90F67765-78F1-40A0-969F-5CECE2C15D8F}" type="datetimeFigureOut">
               <a:rPr lang="en-US" smtClean="0"/>
-              <a:t>4/8/2015</a:t>
+              <a:t>4/28/2015</a:t>
             </a:fld>
             <a:endParaRPr lang="en-US"/>
           </a:p>
@@ -1985,7 +2003,7 @@
           <a:p>
             <a:fld id="{90F67765-78F1-40A0-969F-5CECE2C15D8F}" type="datetimeFigureOut">
               <a:rPr lang="en-US" smtClean="0"/>
-              <a:t>4/8/2015</a:t>
+              <a:t>4/28/2015</a:t>
             </a:fld>
             <a:endParaRPr lang="en-US"/>
           </a:p>
@@ -2262,7 +2280,7 @@
           <a:p>
             <a:fld id="{90F67765-78F1-40A0-969F-5CECE2C15D8F}" type="datetimeFigureOut">
               <a:rPr lang="en-US" smtClean="0"/>
-              <a:t>4/8/2015</a:t>
+              <a:t>4/28/2015</a:t>
             </a:fld>
             <a:endParaRPr lang="en-US"/>
           </a:p>
@@ -2515,7 +2533,7 @@
           <a:p>
             <a:fld id="{90F67765-78F1-40A0-969F-5CECE2C15D8F}" type="datetimeFigureOut">
               <a:rPr lang="en-US" smtClean="0"/>
-              <a:t>4/8/2015</a:t>
+              <a:t>4/28/2015</a:t>
             </a:fld>
             <a:endParaRPr lang="en-US"/>
           </a:p>
@@ -2728,7 +2746,7 @@
           <a:p>
             <a:fld id="{90F67765-78F1-40A0-969F-5CECE2C15D8F}" type="datetimeFigureOut">
               <a:rPr lang="en-US" smtClean="0"/>
-              <a:t>4/8/2015</a:t>
+              <a:t>4/28/2015</a:t>
             </a:fld>
             <a:endParaRPr lang="en-US"/>
           </a:p>
@@ -3200,6 +3218,473 @@
 </p:sld>
 </file>
 
+<file path=ppt/slides/slide10.xml><?xml version="1.0" encoding="utf-8"?>
+<p:sld xmlns:a="http://schemas.openxmlformats.org/drawingml/2006/main" xmlns:r="http://schemas.openxmlformats.org/officeDocument/2006/relationships" xmlns:p="http://schemas.openxmlformats.org/presentationml/2006/main">
+  <p:cSld>
+    <p:spTree>
+      <p:nvGrpSpPr>
+        <p:cNvPr id="1" name=""/>
+        <p:cNvGrpSpPr/>
+        <p:nvPr/>
+      </p:nvGrpSpPr>
+      <p:grpSpPr>
+        <a:xfrm>
+          <a:off x="0" y="0"/>
+          <a:ext cx="0" cy="0"/>
+          <a:chOff x="0" y="0"/>
+          <a:chExt cx="0" cy="0"/>
+        </a:xfrm>
+      </p:grpSpPr>
+      <p:sp>
+        <p:nvSpPr>
+          <p:cNvPr id="2" name="Title 1"/>
+          <p:cNvSpPr>
+            <a:spLocks noGrp="1"/>
+          </p:cNvSpPr>
+          <p:nvPr>
+            <p:ph type="title"/>
+          </p:nvPr>
+        </p:nvSpPr>
+        <p:spPr/>
+        <p:txBody>
+          <a:bodyPr/>
+          <a:lstStyle/>
+          <a:p>
+            <a:r>
+              <a:rPr lang="en-US" dirty="0" smtClean="0"/>
+              <a:t>A Special Note on Punctate Marks</a:t>
+            </a:r>
+            <a:endParaRPr lang="en-US" dirty="0"/>
+          </a:p>
+        </p:txBody>
+      </p:sp>
+      <p:sp>
+        <p:nvSpPr>
+          <p:cNvPr id="3" name="Content Placeholder 2"/>
+          <p:cNvSpPr>
+            <a:spLocks noGrp="1"/>
+          </p:cNvSpPr>
+          <p:nvPr>
+            <p:ph idx="1"/>
+          </p:nvPr>
+        </p:nvSpPr>
+        <p:spPr>
+          <a:xfrm>
+            <a:off x="457200" y="1600200"/>
+            <a:ext cx="8229600" cy="5029200"/>
+          </a:xfrm>
+        </p:spPr>
+        <p:txBody>
+          <a:bodyPr>
+            <a:normAutofit fontScale="92500"/>
+          </a:bodyPr>
+          <a:lstStyle/>
+          <a:p>
+            <a:r>
+              <a:rPr lang="en-US" dirty="0" smtClean="0"/>
+              <a:t>When you evaluate the scale spectrum file and it turns out that the dominating scale is at lower scales, there may be a risk that the selected </a:t>
+            </a:r>
+            <a:r>
+              <a:rPr lang="en-US" dirty="0" err="1" smtClean="0"/>
+              <a:t>l_p</a:t>
+            </a:r>
+            <a:r>
+              <a:rPr lang="en-US" dirty="0" smtClean="0"/>
+              <a:t> parameter is underpowered (i.e., yields low sensitivity)</a:t>
+            </a:r>
+          </a:p>
+          <a:p>
+            <a:r>
+              <a:rPr lang="en-US" dirty="0" smtClean="0"/>
+              <a:t>To compensate for this, you may want to change </a:t>
+            </a:r>
+            <a:r>
+              <a:rPr lang="en-US" dirty="0" err="1" smtClean="0"/>
+              <a:t>l_p</a:t>
+            </a:r>
+            <a:r>
+              <a:rPr lang="en-US" dirty="0" smtClean="0"/>
+              <a:t> parameter to the larger of dominating scale level and </a:t>
+            </a:r>
+            <a:r>
+              <a:rPr lang="en-US" dirty="0" err="1" smtClean="0"/>
+              <a:t>l_p</a:t>
+            </a:r>
+            <a:r>
+              <a:rPr lang="en-US" dirty="0" smtClean="0"/>
+              <a:t> identified in previous steps, i.e., the parameter you identified in slide 6.</a:t>
+            </a:r>
+          </a:p>
+          <a:p>
+            <a:r>
+              <a:rPr lang="en-US" dirty="0" smtClean="0"/>
+              <a:t>Or, just use the default MUSIC parameters.</a:t>
+            </a:r>
+            <a:endParaRPr lang="en-US" dirty="0"/>
+          </a:p>
+        </p:txBody>
+      </p:sp>
+    </p:spTree>
+    <p:extLst>
+      <p:ext uri="{BB962C8B-B14F-4D97-AF65-F5344CB8AC3E}">
+        <p14:creationId xmlns:p14="http://schemas.microsoft.com/office/powerpoint/2010/main" val="197854066"/>
+      </p:ext>
+    </p:extLst>
+  </p:cSld>
+  <p:clrMapOvr>
+    <a:masterClrMapping/>
+  </p:clrMapOvr>
+</p:sld>
+</file>
+
+<file path=ppt/slides/slide11.xml><?xml version="1.0" encoding="utf-8"?>
+<p:sld xmlns:a="http://schemas.openxmlformats.org/drawingml/2006/main" xmlns:r="http://schemas.openxmlformats.org/officeDocument/2006/relationships" xmlns:p="http://schemas.openxmlformats.org/presentationml/2006/main">
+  <p:cSld>
+    <p:spTree>
+      <p:nvGrpSpPr>
+        <p:cNvPr id="1" name=""/>
+        <p:cNvGrpSpPr/>
+        <p:nvPr/>
+      </p:nvGrpSpPr>
+      <p:grpSpPr>
+        <a:xfrm>
+          <a:off x="0" y="0"/>
+          <a:ext cx="0" cy="0"/>
+          <a:chOff x="0" y="0"/>
+          <a:chExt cx="0" cy="0"/>
+        </a:xfrm>
+      </p:grpSpPr>
+      <p:sp>
+        <p:nvSpPr>
+          <p:cNvPr id="2" name="Title 1"/>
+          <p:cNvSpPr>
+            <a:spLocks noGrp="1"/>
+          </p:cNvSpPr>
+          <p:nvPr>
+            <p:ph type="title"/>
+          </p:nvPr>
+        </p:nvSpPr>
+        <p:spPr>
+          <a:xfrm>
+            <a:off x="457200" y="-76200"/>
+            <a:ext cx="8229600" cy="1143000"/>
+          </a:xfrm>
+        </p:spPr>
+        <p:txBody>
+          <a:bodyPr/>
+          <a:lstStyle/>
+          <a:p>
+            <a:r>
+              <a:rPr lang="en-US" dirty="0" smtClean="0"/>
+              <a:t>Finally, ER identification?</a:t>
+            </a:r>
+            <a:endParaRPr lang="en-US" dirty="0"/>
+          </a:p>
+        </p:txBody>
+      </p:sp>
+      <p:sp>
+        <p:nvSpPr>
+          <p:cNvPr id="3" name="Content Placeholder 2"/>
+          <p:cNvSpPr>
+            <a:spLocks noGrp="1"/>
+          </p:cNvSpPr>
+          <p:nvPr>
+            <p:ph idx="1"/>
+          </p:nvPr>
+        </p:nvSpPr>
+        <p:spPr>
+          <a:xfrm>
+            <a:off x="457200" y="914400"/>
+            <a:ext cx="8229600" cy="6477000"/>
+          </a:xfrm>
+        </p:spPr>
+        <p:txBody>
+          <a:bodyPr>
+            <a:normAutofit fontScale="70000" lnSpcReduction="20000"/>
+          </a:bodyPr>
+          <a:lstStyle/>
+          <a:p>
+            <a:r>
+              <a:rPr lang="en-US" dirty="0" smtClean="0"/>
+              <a:t>Yes. For this, we will use the scale levels that we are interested in. Note that in the manuscript, we did a thorough analysis to identify the scale levels for human datasets. If you have human datasets, the default parameters work pretty well. </a:t>
+            </a:r>
+          </a:p>
+          <a:p>
+            <a:r>
+              <a:rPr lang="en-US" dirty="0" smtClean="0"/>
+              <a:t>For ER identification, run MUSIC with </a:t>
+            </a:r>
+          </a:p>
+          <a:p>
+            <a:pPr marL="0" indent="0">
+              <a:buNone/>
+            </a:pPr>
+            <a:r>
+              <a:rPr lang="en-US" sz="2000" i="1" dirty="0" smtClean="0"/>
+              <a:t>-</a:t>
+            </a:r>
+            <a:r>
+              <a:rPr lang="en-US" sz="2000" i="1" dirty="0" err="1" smtClean="0"/>
+              <a:t>get_multiscale_broad_ERs</a:t>
+            </a:r>
+            <a:r>
+              <a:rPr lang="en-US" dirty="0" smtClean="0"/>
+              <a:t> option. If you want to change the default scale parameters, </a:t>
+            </a:r>
+            <a:r>
+              <a:rPr lang="en-US" dirty="0"/>
+              <a:t>m</a:t>
+            </a:r>
+            <a:r>
+              <a:rPr lang="en-US" dirty="0" smtClean="0"/>
+              <a:t>ake sure scales are specified with </a:t>
+            </a:r>
+            <a:r>
+              <a:rPr lang="en-US" i="1" dirty="0" smtClean="0"/>
+              <a:t>–</a:t>
+            </a:r>
+            <a:r>
+              <a:rPr lang="en-US" i="1" dirty="0" err="1" smtClean="0"/>
+              <a:t>begin_l</a:t>
+            </a:r>
+            <a:r>
+              <a:rPr lang="en-US" dirty="0" smtClean="0"/>
+              <a:t> and </a:t>
+            </a:r>
+            <a:r>
+              <a:rPr lang="en-US" i="1" dirty="0" smtClean="0"/>
+              <a:t>–</a:t>
+            </a:r>
+            <a:r>
+              <a:rPr lang="en-US" i="1" dirty="0" err="1" smtClean="0"/>
+              <a:t>end_l</a:t>
+            </a:r>
+            <a:r>
+              <a:rPr lang="en-US" dirty="0" smtClean="0"/>
+              <a:t> and </a:t>
+            </a:r>
+            <a:r>
+              <a:rPr lang="en-US" dirty="0" err="1" smtClean="0"/>
+              <a:t>l_p</a:t>
+            </a:r>
+            <a:r>
+              <a:rPr lang="en-US" dirty="0" smtClean="0"/>
+              <a:t> is specified with </a:t>
+            </a:r>
+            <a:r>
+              <a:rPr lang="en-US" i="1" dirty="0" smtClean="0"/>
+              <a:t>–</a:t>
+            </a:r>
+            <a:r>
+              <a:rPr lang="en-US" i="1" dirty="0" err="1" smtClean="0"/>
+              <a:t>l_p</a:t>
+            </a:r>
+            <a:r>
+              <a:rPr lang="en-US" dirty="0" smtClean="0"/>
+              <a:t> options</a:t>
+            </a:r>
+            <a:r>
+              <a:rPr lang="en-US" smtClean="0"/>
+              <a:t>. </a:t>
+            </a:r>
+            <a:endParaRPr lang="en-US" dirty="0" smtClean="0"/>
+          </a:p>
+          <a:p>
+            <a:r>
+              <a:rPr lang="en-US" dirty="0" smtClean="0"/>
+              <a:t>Don’t forget to specify </a:t>
+            </a:r>
+            <a:r>
+              <a:rPr lang="en-US" dirty="0" err="1" smtClean="0"/>
+              <a:t>mappability</a:t>
+            </a:r>
+            <a:r>
+              <a:rPr lang="en-US" dirty="0" smtClean="0"/>
+              <a:t> profile with </a:t>
+            </a:r>
+          </a:p>
+          <a:p>
+            <a:pPr marL="0" indent="0">
+              <a:buNone/>
+            </a:pPr>
+            <a:r>
+              <a:rPr lang="en-US" sz="2200" i="1" dirty="0" smtClean="0"/>
+              <a:t>–</a:t>
+            </a:r>
+            <a:r>
+              <a:rPr lang="en-US" sz="2200" i="1" dirty="0" err="1" smtClean="0"/>
+              <a:t>mapp</a:t>
+            </a:r>
+            <a:r>
+              <a:rPr lang="en-US" dirty="0" smtClean="0"/>
+              <a:t>. With this, you also need the read length  at which the </a:t>
+            </a:r>
+            <a:r>
+              <a:rPr lang="en-US" dirty="0" err="1" smtClean="0"/>
+              <a:t>mappability</a:t>
+            </a:r>
+            <a:r>
+              <a:rPr lang="en-US" dirty="0" smtClean="0"/>
+              <a:t> profile is generated, use </a:t>
+            </a:r>
+          </a:p>
+          <a:p>
+            <a:pPr marL="0" indent="0">
+              <a:buNone/>
+            </a:pPr>
+            <a:r>
+              <a:rPr lang="en-US" sz="2200" i="1" dirty="0" smtClean="0"/>
+              <a:t>–</a:t>
+            </a:r>
+            <a:r>
+              <a:rPr lang="en-US" sz="2200" i="1" dirty="0" err="1" smtClean="0"/>
+              <a:t>l_mapp</a:t>
+            </a:r>
+            <a:r>
+              <a:rPr lang="en-US" dirty="0" smtClean="0"/>
+              <a:t> to specify it.</a:t>
+            </a:r>
+          </a:p>
+          <a:p>
+            <a:r>
+              <a:rPr lang="en-US" dirty="0" smtClean="0"/>
+              <a:t>Broad Marks (</a:t>
+            </a:r>
+            <a:r>
+              <a:rPr lang="en-US" i="1" dirty="0"/>
+              <a:t>-</a:t>
+            </a:r>
+            <a:r>
+              <a:rPr lang="en-US" i="1" dirty="0" err="1" smtClean="0"/>
+              <a:t>get_multiscale_broad_ERs</a:t>
+            </a:r>
+            <a:r>
+              <a:rPr lang="en-US" i="1" dirty="0" smtClean="0"/>
+              <a:t>)</a:t>
+            </a:r>
+            <a:endParaRPr lang="en-US" dirty="0" smtClean="0"/>
+          </a:p>
+          <a:p>
+            <a:pPr lvl="1"/>
+            <a:r>
+              <a:rPr lang="en-US" dirty="0" smtClean="0"/>
+              <a:t>H3K36me3, H3K27me3, H3K9me3, H3K79me2, H4K20me1, …</a:t>
+            </a:r>
+          </a:p>
+          <a:p>
+            <a:r>
+              <a:rPr lang="en-US" dirty="0" smtClean="0"/>
+              <a:t>Punctate </a:t>
+            </a:r>
+            <a:r>
+              <a:rPr lang="en-US" dirty="0"/>
+              <a:t>Marks (</a:t>
+            </a:r>
+            <a:r>
+              <a:rPr lang="en-US" i="1" dirty="0"/>
+              <a:t>-</a:t>
+            </a:r>
+            <a:r>
+              <a:rPr lang="en-US" i="1" dirty="0" err="1" smtClean="0"/>
+              <a:t>get_multiscale_punctate_ERs</a:t>
+            </a:r>
+            <a:r>
+              <a:rPr lang="en-US" i="1" dirty="0"/>
+              <a:t>)</a:t>
+            </a:r>
+            <a:endParaRPr lang="en-US" dirty="0" smtClean="0"/>
+          </a:p>
+          <a:p>
+            <a:pPr lvl="1"/>
+            <a:r>
+              <a:rPr lang="en-US" dirty="0" smtClean="0"/>
+              <a:t>H3K4me3, H3K27ac, H3K4me1, Pol2, …</a:t>
+            </a:r>
+          </a:p>
+          <a:p>
+            <a:pPr lvl="1"/>
+            <a:r>
+              <a:rPr lang="en-US" b="1" i="1" dirty="0" smtClean="0"/>
+              <a:t>MUSIC identifies the troughs only for these ERs</a:t>
+            </a:r>
+          </a:p>
+          <a:p>
+            <a:r>
+              <a:rPr lang="en-US" dirty="0" smtClean="0"/>
+              <a:t>TFs (</a:t>
+            </a:r>
+            <a:r>
+              <a:rPr lang="en-US" i="1" dirty="0" smtClean="0"/>
+              <a:t>-</a:t>
+            </a:r>
+            <a:r>
+              <a:rPr lang="en-US" i="1" dirty="0" err="1" smtClean="0"/>
+              <a:t>get_TF_peaks</a:t>
+            </a:r>
+            <a:r>
+              <a:rPr lang="en-US" dirty="0" smtClean="0"/>
+              <a:t>): Activators, Repressors, insulators, </a:t>
+            </a:r>
+          </a:p>
+          <a:p>
+            <a:pPr lvl="1"/>
+            <a:r>
+              <a:rPr lang="en-US" dirty="0" smtClean="0"/>
+              <a:t>A lot; </a:t>
+            </a:r>
+            <a:r>
+              <a:rPr lang="en-US" dirty="0"/>
+              <a:t>CTCF, </a:t>
+            </a:r>
+            <a:r>
+              <a:rPr lang="en-US" dirty="0" smtClean="0"/>
+              <a:t>Oct2, Sox4, </a:t>
+            </a:r>
+            <a:r>
+              <a:rPr lang="en-US" dirty="0" err="1" smtClean="0"/>
+              <a:t>Nanog</a:t>
+            </a:r>
+            <a:r>
+              <a:rPr lang="en-US" dirty="0" smtClean="0"/>
+              <a:t>, P300, CBP, …</a:t>
+            </a:r>
+            <a:endParaRPr lang="en-US" dirty="0"/>
+          </a:p>
+          <a:p>
+            <a:pPr lvl="1"/>
+            <a:endParaRPr lang="en-US" dirty="0" smtClean="0"/>
+          </a:p>
+          <a:p>
+            <a:pPr marL="0" indent="0">
+              <a:buNone/>
+            </a:pPr>
+            <a:endParaRPr lang="en-US" dirty="0" smtClean="0"/>
+          </a:p>
+          <a:p>
+            <a:pPr marL="0" indent="0">
+              <a:buNone/>
+            </a:pPr>
+            <a:endParaRPr lang="en-US" dirty="0" smtClean="0"/>
+          </a:p>
+          <a:p>
+            <a:pPr lvl="1"/>
+            <a:endParaRPr lang="en-US" dirty="0"/>
+          </a:p>
+        </p:txBody>
+      </p:sp>
+    </p:spTree>
+    <p:extLst>
+      <p:ext uri="{BB962C8B-B14F-4D97-AF65-F5344CB8AC3E}">
+        <p14:creationId xmlns:p14="http://schemas.microsoft.com/office/powerpoint/2010/main" val="3793805292"/>
+      </p:ext>
+    </p:extLst>
+  </p:cSld>
+  <p:clrMapOvr>
+    <a:masterClrMapping/>
+  </p:clrMapOvr>
+</p:sld>
+</file>
+
 <file path=ppt/slides/slide2.xml><?xml version="1.0" encoding="utf-8"?>
 <p:sld xmlns:a="http://schemas.openxmlformats.org/drawingml/2006/main" xmlns:r="http://schemas.openxmlformats.org/officeDocument/2006/relationships" xmlns:p="http://schemas.openxmlformats.org/presentationml/2006/main">
   <p:cSld>
@@ -3912,17 +4397,19 @@
         </p:nvSpPr>
         <p:spPr>
           <a:xfrm>
-            <a:off x="457200" y="-304800"/>
+            <a:off x="457200" y="76200"/>
             <a:ext cx="8229600" cy="1143000"/>
           </a:xfrm>
         </p:spPr>
         <p:txBody>
-          <a:bodyPr/>
-          <a:lstStyle/>
-          <a:p>
-            <a:r>
-              <a:rPr lang="en-US" dirty="0" smtClean="0"/>
-              <a:t>Ok, done, what’s next?</a:t>
+          <a:bodyPr>
+            <a:normAutofit fontScale="90000"/>
+          </a:bodyPr>
+          <a:lstStyle/>
+          <a:p>
+            <a:r>
+              <a:rPr lang="en-US" dirty="0" smtClean="0"/>
+              <a:t>If you would like to just call peaks, can take the short route and be done:</a:t>
             </a:r>
             <a:endParaRPr lang="en-US" dirty="0"/>
           </a:p>
@@ -3940,23 +4427,33 @@
         </p:nvSpPr>
         <p:spPr>
           <a:xfrm>
-            <a:off x="457200" y="685800"/>
-            <a:ext cx="8229600" cy="6400800"/>
+            <a:off x="457200" y="1371600"/>
+            <a:ext cx="8229600" cy="5334000"/>
           </a:xfrm>
         </p:spPr>
         <p:txBody>
           <a:bodyPr>
-            <a:normAutofit fontScale="77500" lnSpcReduction="20000"/>
+            <a:normAutofit lnSpcReduction="10000"/>
           </a:bodyPr>
           <a:lstStyle/>
           <a:p>
             <a:r>
+              <a:rPr lang="en-US" dirty="0" smtClean="0"/>
+              <a:t>We added </a:t>
+            </a:r>
+            <a:r>
               <a:rPr lang="en-US" dirty="0" err="1" smtClean="0"/>
-              <a:t>Arif</a:t>
-            </a:r>
-            <a:r>
-              <a:rPr lang="en-US" dirty="0" smtClean="0"/>
-              <a:t>: I always identify </a:t>
+              <a:t>run_MUSIC.csh</a:t>
+            </a:r>
+            <a:r>
+              <a:rPr lang="en-US" dirty="0" smtClean="0"/>
+              <a:t> under bin/</a:t>
+            </a:r>
+          </a:p>
+          <a:p>
+            <a:r>
+              <a:rPr lang="en-US" dirty="0" smtClean="0"/>
+              <a:t>This script does parameter selection (</a:t>
             </a:r>
             <a:r>
               <a:rPr lang="en-US" dirty="0" err="1" smtClean="0"/>
@@ -3964,247 +4461,216 @@
             </a:r>
             <a:r>
               <a:rPr lang="en-US" dirty="0" smtClean="0"/>
-              <a:t> parameter, which is vital for defining what is significant. This value changes with changing sequencing depth, so make sure you identify this value first.</a:t>
+              <a:t>) then run ER calling with the default scale levels. These work well in most of the cases.</a:t>
+            </a:r>
+          </a:p>
+          <a:p>
+            <a:r>
+              <a:rPr lang="en-US" dirty="0" smtClean="0"/>
+              <a:t>Punctate ER calling: </a:t>
             </a:r>
           </a:p>
           <a:p>
             <a:pPr lvl="1">
-              <a:buFont typeface="Arial" pitchFamily="34" charset="0"/>
+              <a:buFont typeface="Arial" panose="020B0604020202020204" pitchFamily="34" charset="0"/>
               <a:buChar char="•"/>
             </a:pPr>
             <a:r>
-              <a:rPr lang="en-US" sz="2200" i="1" dirty="0"/>
-              <a:t>-</a:t>
-            </a:r>
-            <a:r>
-              <a:rPr lang="en-US" sz="2200" i="1" dirty="0" err="1" smtClean="0"/>
-              <a:t>get_per_win_p_vals_FC</a:t>
-            </a:r>
-            <a:r>
-              <a:rPr lang="en-US" sz="2200" i="1" dirty="0" smtClean="0"/>
+              <a:rPr lang="en-US" sz="1200" i="1" dirty="0" err="1" smtClean="0"/>
+              <a:t>run_MUSIC.csh</a:t>
+            </a:r>
+            <a:r>
+              <a:rPr lang="en-US" sz="1200" i="1" dirty="0"/>
+              <a:t> -</a:t>
+            </a:r>
+            <a:r>
+              <a:rPr lang="en-US" sz="1200" i="1" dirty="0" err="1" smtClean="0"/>
+              <a:t>get_optimal_punctate_ERs</a:t>
+            </a:r>
+            <a:r>
+              <a:rPr lang="en-US" sz="1200" i="1" dirty="0" smtClean="0"/>
               <a:t> </a:t>
             </a:r>
             <a:r>
-              <a:rPr lang="en-US" dirty="0" smtClean="0"/>
-              <a:t>option. This option evaluates several window lengths and reports estimates of false positive rate and sensitivity for different </a:t>
-            </a:r>
-            <a:r>
-              <a:rPr lang="en-US" dirty="0" err="1" smtClean="0"/>
-              <a:t>l_p</a:t>
-            </a:r>
-            <a:r>
-              <a:rPr lang="en-US" dirty="0" smtClean="0"/>
-              <a:t> values and reports it in a file named </a:t>
-            </a:r>
-            <a:r>
-              <a:rPr lang="en-US" sz="2000" i="1" dirty="0" smtClean="0"/>
-              <a:t>per_l_win_accuracy_stats.txt,</a:t>
-            </a:r>
-            <a:r>
-              <a:rPr lang="en-US" i="1" dirty="0" smtClean="0"/>
-              <a:t> </a:t>
-            </a:r>
-            <a:r>
-              <a:rPr lang="en-US" dirty="0" smtClean="0"/>
-              <a:t>where each line looks like this:</a:t>
-            </a:r>
-            <a:endParaRPr lang="en-US" sz="2000" i="1" dirty="0" smtClean="0"/>
+              <a:rPr lang="en-US" sz="1200" i="1" dirty="0"/>
+              <a:t>[chip preprocessed </a:t>
+            </a:r>
+            <a:r>
+              <a:rPr lang="en-US" sz="1200" i="1" dirty="0" err="1"/>
+              <a:t>dir</a:t>
+            </a:r>
+            <a:r>
+              <a:rPr lang="en-US" sz="1200" i="1" dirty="0"/>
+              <a:t>] [input preprocessed </a:t>
+            </a:r>
+            <a:r>
+              <a:rPr lang="en-US" sz="1200" i="1" dirty="0" err="1"/>
+              <a:t>dir</a:t>
+            </a:r>
+            <a:r>
+              <a:rPr lang="en-US" sz="1200" i="1" dirty="0"/>
+              <a:t>] [Multi-</a:t>
+            </a:r>
+            <a:r>
+              <a:rPr lang="en-US" sz="1200" i="1" dirty="0" err="1"/>
+              <a:t>mappability</a:t>
+            </a:r>
+            <a:r>
+              <a:rPr lang="en-US" sz="1200" i="1" dirty="0"/>
+              <a:t> profile directory</a:t>
+            </a:r>
+            <a:r>
+              <a:rPr lang="en-US" sz="1200" i="1" dirty="0" smtClean="0"/>
+              <a:t>]</a:t>
+            </a:r>
+          </a:p>
+          <a:p>
+            <a:r>
+              <a:rPr lang="en-US" dirty="0" smtClean="0"/>
+              <a:t>Broad ER </a:t>
+            </a:r>
+            <a:r>
+              <a:rPr lang="en-US" dirty="0"/>
+              <a:t>calling: </a:t>
+            </a:r>
           </a:p>
           <a:p>
             <a:pPr lvl="1">
-              <a:buFont typeface="Arial" pitchFamily="34" charset="0"/>
+              <a:buFont typeface="Arial" panose="020B0604020202020204" pitchFamily="34" charset="0"/>
               <a:buChar char="•"/>
             </a:pPr>
             <a:r>
-              <a:rPr lang="en-US" sz="1500" i="1" dirty="0" err="1"/>
-              <a:t>l_win</a:t>
-            </a:r>
-            <a:r>
-              <a:rPr lang="en-US" sz="1500" i="1" dirty="0"/>
-              <a:t>: 1700	FNR: (FC:0.001) (p-val:0.001)	FPR: (</a:t>
-            </a:r>
-            <a:r>
-              <a:rPr lang="en-US" sz="1500" i="1" dirty="0" smtClean="0"/>
-              <a:t>FC:0.0101</a:t>
-            </a:r>
-            <a:r>
-              <a:rPr lang="en-US" sz="1500" i="1" dirty="0"/>
-              <a:t>) (</a:t>
-            </a:r>
-            <a:r>
-              <a:rPr lang="en-US" sz="1500" i="1" dirty="0" smtClean="0"/>
-              <a:t>p-val:0.0055</a:t>
-            </a:r>
-            <a:r>
-              <a:rPr lang="en-US" sz="1500" i="1" dirty="0"/>
-              <a:t>)	</a:t>
-            </a:r>
-            <a:r>
-              <a:rPr lang="en-US" sz="1500" i="1" dirty="0" err="1"/>
-              <a:t>Sentitivity</a:t>
-            </a:r>
-            <a:r>
-              <a:rPr lang="en-US" sz="1500" i="1" dirty="0"/>
-              <a:t>: </a:t>
-            </a:r>
-            <a:r>
-              <a:rPr lang="en-US" sz="1500" i="1" dirty="0" smtClean="0"/>
-              <a:t>0.999</a:t>
-            </a:r>
+              <a:rPr lang="en-US" sz="1200" i="1" dirty="0" err="1"/>
+              <a:t>run_MUSIC.csh</a:t>
+            </a:r>
+            <a:r>
+              <a:rPr lang="en-US" sz="1200" i="1" dirty="0"/>
+              <a:t> -</a:t>
+            </a:r>
+            <a:r>
+              <a:rPr lang="en-US" sz="1200" i="1" dirty="0" err="1" smtClean="0"/>
+              <a:t>get_optimal_broad_ERs</a:t>
+            </a:r>
+            <a:r>
+              <a:rPr lang="en-US" sz="1200" i="1" dirty="0" smtClean="0"/>
+              <a:t> </a:t>
+            </a:r>
+            <a:r>
+              <a:rPr lang="en-US" sz="1200" i="1" dirty="0"/>
+              <a:t>[chip preprocessed </a:t>
+            </a:r>
+            <a:r>
+              <a:rPr lang="en-US" sz="1200" i="1" dirty="0" err="1"/>
+              <a:t>dir</a:t>
+            </a:r>
+            <a:r>
+              <a:rPr lang="en-US" sz="1200" i="1" dirty="0"/>
+              <a:t>] [input preprocessed </a:t>
+            </a:r>
+            <a:r>
+              <a:rPr lang="en-US" sz="1200" i="1" dirty="0" err="1"/>
+              <a:t>dir</a:t>
+            </a:r>
+            <a:r>
+              <a:rPr lang="en-US" sz="1200" i="1" dirty="0"/>
+              <a:t>] [Multi-</a:t>
+            </a:r>
+            <a:r>
+              <a:rPr lang="en-US" sz="1200" i="1" dirty="0" err="1"/>
+              <a:t>mappability</a:t>
+            </a:r>
+            <a:r>
+              <a:rPr lang="en-US" sz="1200" i="1" dirty="0"/>
+              <a:t> profile directory]</a:t>
+            </a:r>
+          </a:p>
+          <a:p>
+            <a:r>
+              <a:rPr lang="en-US" dirty="0" smtClean="0"/>
+              <a:t>TF peak calling: No need for parameter selection</a:t>
+            </a:r>
+            <a:endParaRPr lang="en-US" dirty="0"/>
           </a:p>
           <a:p>
             <a:pPr lvl="1">
-              <a:buFont typeface="Arial" pitchFamily="34" charset="0"/>
+              <a:buFont typeface="Arial" panose="020B0604020202020204" pitchFamily="34" charset="0"/>
               <a:buChar char="•"/>
             </a:pPr>
+            <a:r>
+              <a:rPr lang="en-US" sz="1200" i="1" dirty="0" smtClean="0"/>
+              <a:t>MUSIC –</a:t>
+            </a:r>
+            <a:r>
+              <a:rPr lang="en-US" sz="1200" i="1" dirty="0" err="1" smtClean="0"/>
+              <a:t>get_TF_peaks</a:t>
+            </a:r>
+            <a:r>
+              <a:rPr lang="en-US" sz="1200" i="1" dirty="0" smtClean="0"/>
+              <a:t> –chip [chip </a:t>
+            </a:r>
+            <a:r>
+              <a:rPr lang="en-US" sz="1200" i="1" dirty="0"/>
+              <a:t>preprocessed </a:t>
+            </a:r>
+            <a:r>
+              <a:rPr lang="en-US" sz="1200" i="1" dirty="0" err="1"/>
+              <a:t>dir</a:t>
+            </a:r>
+            <a:r>
+              <a:rPr lang="en-US" sz="1200" i="1" dirty="0"/>
+              <a:t>] –control </a:t>
+            </a:r>
+            <a:r>
+              <a:rPr lang="en-US" sz="1200" i="1" dirty="0" smtClean="0"/>
+              <a:t>[</a:t>
+            </a:r>
+            <a:r>
+              <a:rPr lang="en-US" sz="1200" i="1" dirty="0"/>
+              <a:t>input preprocessed </a:t>
+            </a:r>
+            <a:r>
+              <a:rPr lang="en-US" sz="1200" i="1" dirty="0" err="1"/>
+              <a:t>dir</a:t>
+            </a:r>
+            <a:r>
+              <a:rPr lang="en-US" sz="1200" i="1" dirty="0" smtClean="0"/>
+              <a:t>] -</a:t>
+            </a:r>
+            <a:r>
+              <a:rPr lang="en-US" sz="1200" i="1" dirty="0" err="1" smtClean="0"/>
+              <a:t>mapp</a:t>
+            </a:r>
+            <a:r>
+              <a:rPr lang="en-US" sz="1200" i="1" dirty="0" smtClean="0"/>
+              <a:t> [Multi-</a:t>
+            </a:r>
+            <a:r>
+              <a:rPr lang="en-US" sz="1200" i="1" dirty="0" err="1" smtClean="0"/>
+              <a:t>mappability</a:t>
+            </a:r>
+            <a:r>
+              <a:rPr lang="en-US" sz="1200" i="1" dirty="0" smtClean="0"/>
+              <a:t> profile directory] –</a:t>
+            </a:r>
+            <a:r>
+              <a:rPr lang="en-US" sz="1200" i="1" dirty="0" err="1" smtClean="0"/>
+              <a:t>l_mapp</a:t>
+            </a:r>
+            <a:r>
+              <a:rPr lang="en-US" sz="1200" i="1" dirty="0" smtClean="0"/>
+              <a:t> [read length]</a:t>
+            </a:r>
             <a:endParaRPr lang="en-US" sz="1200" i="1" dirty="0"/>
           </a:p>
           <a:p>
-            <a:pPr lvl="1">
-              <a:buFont typeface="Arial" pitchFamily="34" charset="0"/>
-              <a:buChar char="•"/>
-            </a:pPr>
-            <a:r>
-              <a:rPr lang="en-US" dirty="0" smtClean="0"/>
-              <a:t>I set </a:t>
-            </a:r>
-            <a:r>
-              <a:rPr lang="en-US" dirty="0" err="1" smtClean="0"/>
-              <a:t>l_p</a:t>
-            </a:r>
-            <a:r>
-              <a:rPr lang="en-US" dirty="0" smtClean="0"/>
-              <a:t> to the largest </a:t>
-            </a:r>
-            <a:r>
-              <a:rPr lang="en-US" dirty="0" err="1" smtClean="0"/>
-              <a:t>l_win</a:t>
-            </a:r>
-            <a:r>
-              <a:rPr lang="en-US" dirty="0" smtClean="0"/>
-              <a:t> such that where FPR for FC and p-value is below 1% (or very close)</a:t>
-            </a:r>
-          </a:p>
-          <a:p>
-            <a:pPr lvl="1">
-              <a:buFont typeface="Arial" pitchFamily="34" charset="0"/>
-              <a:buChar char="•"/>
-            </a:pPr>
-            <a:r>
-              <a:rPr lang="en-US" dirty="0" smtClean="0"/>
-              <a:t>Personally, we like inspecting this file since it gives an idea about whether the enrichment worked well.</a:t>
-            </a:r>
-          </a:p>
-          <a:p>
-            <a:pPr lvl="2"/>
-            <a:r>
-              <a:rPr lang="en-US" b="1" dirty="0" smtClean="0"/>
-              <a:t>If you don’t want to look at this file run MUSIC with ‘-</a:t>
-            </a:r>
-            <a:r>
-              <a:rPr lang="en-US" b="1" dirty="0" err="1" smtClean="0"/>
-              <a:t>l_p</a:t>
-            </a:r>
-            <a:r>
-              <a:rPr lang="en-US" b="1" dirty="0" smtClean="0"/>
-              <a:t> 0’, which tells MUSIC to select </a:t>
-            </a:r>
-            <a:r>
-              <a:rPr lang="en-US" b="1" dirty="0" err="1" smtClean="0"/>
-              <a:t>l_p</a:t>
-            </a:r>
-            <a:r>
-              <a:rPr lang="en-US" b="1" dirty="0" smtClean="0"/>
-              <a:t> parameter automatically from the file above.</a:t>
-            </a:r>
-          </a:p>
-          <a:p>
-            <a:pPr lvl="3"/>
-            <a:r>
-              <a:rPr lang="en-US" dirty="0" smtClean="0"/>
-              <a:t>You have to still run </a:t>
-            </a:r>
-            <a:r>
-              <a:rPr lang="en-US" i="1" dirty="0"/>
-              <a:t>-</a:t>
-            </a:r>
-            <a:r>
-              <a:rPr lang="en-US" i="1" dirty="0" err="1"/>
-              <a:t>get_per_win_p_vals_FC</a:t>
-            </a:r>
-            <a:r>
-              <a:rPr lang="en-US" i="1" dirty="0"/>
-              <a:t> </a:t>
-            </a:r>
-            <a:r>
-              <a:rPr lang="en-US" dirty="0" smtClean="0"/>
-              <a:t>for </a:t>
-            </a:r>
-            <a:r>
-              <a:rPr lang="en-US" smtClean="0"/>
-              <a:t>this </a:t>
-            </a:r>
-            <a:r>
-              <a:rPr lang="en-US" smtClean="0"/>
-              <a:t>to work</a:t>
-            </a:r>
-            <a:r>
-              <a:rPr lang="en-US" dirty="0" smtClean="0"/>
-              <a:t>.</a:t>
-            </a:r>
-          </a:p>
-          <a:p>
-            <a:pPr lvl="1">
-              <a:buFont typeface="Arial" pitchFamily="34" charset="0"/>
-              <a:buChar char="•"/>
-            </a:pPr>
-            <a:r>
-              <a:rPr lang="en-US" dirty="0" smtClean="0"/>
-              <a:t>We added a script under bin/</a:t>
-            </a:r>
-            <a:r>
-              <a:rPr lang="en-US" dirty="0" err="1" smtClean="0"/>
-              <a:t>run_MUSIC.csh</a:t>
-            </a:r>
-            <a:r>
-              <a:rPr lang="en-US" dirty="0" smtClean="0"/>
-              <a:t> that automatically selects and runs MUSIC with the best </a:t>
-            </a:r>
-            <a:r>
-              <a:rPr lang="en-US" dirty="0" err="1" smtClean="0"/>
-              <a:t>l_p</a:t>
-            </a:r>
-            <a:r>
-              <a:rPr lang="en-US" dirty="0" smtClean="0"/>
-              <a:t> parameter. When you do not want to deal with looking at this file, use this script.</a:t>
-            </a:r>
-          </a:p>
-          <a:p>
-            <a:pPr lvl="1">
-              <a:buFont typeface="Arial" pitchFamily="34" charset="0"/>
-              <a:buChar char="•"/>
-            </a:pPr>
-            <a:endParaRPr lang="en-US" dirty="0" smtClean="0"/>
-          </a:p>
-          <a:p>
-            <a:pPr lvl="1">
-              <a:buFont typeface="Arial" pitchFamily="34" charset="0"/>
-              <a:buChar char="•"/>
-            </a:pPr>
-            <a:endParaRPr lang="en-US" dirty="0" smtClean="0"/>
-          </a:p>
-          <a:p>
-            <a:pPr marL="457200" lvl="1" indent="0">
-              <a:buNone/>
-            </a:pPr>
-            <a:endParaRPr lang="en-US" dirty="0"/>
+            <a:endParaRPr lang="en-US" sz="1600" i="1" dirty="0"/>
           </a:p>
         </p:txBody>
       </p:sp>
     </p:spTree>
     <p:extLst>
       <p:ext uri="{BB962C8B-B14F-4D97-AF65-F5344CB8AC3E}">
-        <p14:creationId xmlns:p14="http://schemas.microsoft.com/office/powerpoint/2010/main" val="2640246190"/>
+        <p14:creationId xmlns:p14="http://schemas.microsoft.com/office/powerpoint/2010/main" val="3615328122"/>
       </p:ext>
     </p:extLst>
   </p:cSld>
@@ -4241,16 +4707,55 @@
             <p:ph type="title"/>
           </p:nvPr>
         </p:nvSpPr>
-        <p:spPr/>
+        <p:spPr>
+          <a:xfrm>
+            <a:off x="457200" y="-152400"/>
+            <a:ext cx="8229600" cy="1143000"/>
+          </a:xfrm>
+        </p:spPr>
         <p:txBody>
           <a:bodyPr>
-            <a:normAutofit fontScale="90000"/>
+            <a:normAutofit/>
           </a:bodyPr>
           <a:lstStyle/>
           <a:p>
             <a:r>
-              <a:rPr lang="en-US" dirty="0" smtClean="0"/>
-              <a:t>Ok, I have selected </a:t>
+              <a:rPr lang="en-US" sz="2800" dirty="0" smtClean="0"/>
+              <a:t>I don’t want to use default setting, take me through parameter selection. Ok here we go:</a:t>
+            </a:r>
+            <a:endParaRPr lang="en-US" sz="2800" dirty="0"/>
+          </a:p>
+        </p:txBody>
+      </p:sp>
+      <p:sp>
+        <p:nvSpPr>
+          <p:cNvPr id="3" name="Content Placeholder 2"/>
+          <p:cNvSpPr>
+            <a:spLocks noGrp="1"/>
+          </p:cNvSpPr>
+          <p:nvPr>
+            <p:ph idx="1"/>
+          </p:nvPr>
+        </p:nvSpPr>
+        <p:spPr>
+          <a:xfrm>
+            <a:off x="457200" y="990600"/>
+            <a:ext cx="8229600" cy="6400800"/>
+          </a:xfrm>
+        </p:spPr>
+        <p:txBody>
+          <a:bodyPr>
+            <a:normAutofit fontScale="77500" lnSpcReduction="20000"/>
+          </a:bodyPr>
+          <a:lstStyle/>
+          <a:p>
+            <a:r>
+              <a:rPr lang="en-US" dirty="0" err="1" smtClean="0"/>
+              <a:t>Arif</a:t>
+            </a:r>
+            <a:r>
+              <a:rPr lang="en-US" dirty="0" smtClean="0"/>
+              <a:t>: I always identify </a:t>
             </a:r>
             <a:r>
               <a:rPr lang="en-US" dirty="0" err="1" smtClean="0"/>
@@ -4258,41 +4763,7 @@
             </a:r>
             <a:r>
               <a:rPr lang="en-US" dirty="0" smtClean="0"/>
-              <a:t>. What should I do next?</a:t>
-            </a:r>
-            <a:endParaRPr lang="en-US" dirty="0"/>
-          </a:p>
-        </p:txBody>
-      </p:sp>
-      <p:sp>
-        <p:nvSpPr>
-          <p:cNvPr id="3" name="Content Placeholder 2"/>
-          <p:cNvSpPr>
-            <a:spLocks noGrp="1"/>
-          </p:cNvSpPr>
-          <p:nvPr>
-            <p:ph idx="1"/>
-          </p:nvPr>
-        </p:nvSpPr>
-        <p:spPr>
-          <a:xfrm>
-            <a:off x="457200" y="1600200"/>
-            <a:ext cx="8229600" cy="5029200"/>
-          </a:xfrm>
-        </p:spPr>
-        <p:txBody>
-          <a:bodyPr>
-            <a:normAutofit lnSpcReduction="10000"/>
-          </a:bodyPr>
-          <a:lstStyle/>
-          <a:p>
-            <a:r>
-              <a:rPr lang="en-US" dirty="0" err="1" smtClean="0"/>
-              <a:t>Arif</a:t>
-            </a:r>
-            <a:r>
-              <a:rPr lang="en-US" dirty="0" smtClean="0"/>
-              <a:t>: Next thing I do is look at the scale spectrum of the profile I have.</a:t>
+              <a:t> parameter, which is vital for defining what is significant. This value changes with changing sequencing depth, so make sure you identify this value first.</a:t>
             </a:r>
           </a:p>
           <a:p>
@@ -4301,20 +4772,20 @@
               <a:buChar char="•"/>
             </a:pPr>
             <a:r>
-              <a:rPr lang="en-US" dirty="0" smtClean="0"/>
-              <a:t>Use </a:t>
-            </a:r>
-            <a:r>
-              <a:rPr lang="en-US" sz="2000" i="1" dirty="0" smtClean="0"/>
-              <a:t>–</a:t>
-            </a:r>
-            <a:r>
-              <a:rPr lang="en-US" sz="2000" i="1" dirty="0" err="1" smtClean="0"/>
-              <a:t>get_scale_spectrum</a:t>
-            </a:r>
-            <a:r>
-              <a:rPr lang="en-US" dirty="0" smtClean="0"/>
-              <a:t> option for this. Make sure you set </a:t>
+              <a:rPr lang="en-US" sz="2200" i="1" dirty="0"/>
+              <a:t>-</a:t>
+            </a:r>
+            <a:r>
+              <a:rPr lang="en-US" sz="2200" i="1" dirty="0" err="1" smtClean="0"/>
+              <a:t>get_per_win_p_vals_FC</a:t>
+            </a:r>
+            <a:r>
+              <a:rPr lang="en-US" sz="2200" i="1" dirty="0" smtClean="0"/>
+              <a:t> </a:t>
+            </a:r>
+            <a:r>
+              <a:rPr lang="en-US" dirty="0" smtClean="0"/>
+              <a:t>option. This option evaluates several window lengths and reports estimates of false positive rate and sensitivity for different </a:t>
             </a:r>
             <a:r>
               <a:rPr lang="en-US" dirty="0" err="1" smtClean="0"/>
@@ -4322,20 +4793,21 @@
             </a:r>
             <a:r>
               <a:rPr lang="en-US" dirty="0" smtClean="0"/>
-              <a:t> to the selected value from previous slide using </a:t>
+              <a:t> values and reports it in a file named </a:t>
             </a:r>
             <a:r>
               <a:rPr lang="en-US" sz="2000" i="1" dirty="0" smtClean="0"/>
-              <a:t>–</a:t>
-            </a:r>
-            <a:r>
-              <a:rPr lang="en-US" sz="2000" i="1" dirty="0" err="1" smtClean="0"/>
-              <a:t>l_p</a:t>
-            </a:r>
-            <a:r>
-              <a:rPr lang="en-US" dirty="0" smtClean="0"/>
-              <a:t> option.</a:t>
-            </a:r>
+              <a:t>per_l_win_accuracy_stats.txt,</a:t>
+            </a:r>
+            <a:r>
+              <a:rPr lang="en-US" i="1" dirty="0" smtClean="0"/>
+              <a:t> </a:t>
+            </a:r>
+            <a:r>
+              <a:rPr lang="en-US" dirty="0" smtClean="0"/>
+              <a:t>where each line looks like this:</a:t>
+            </a:r>
+            <a:endParaRPr lang="en-US" sz="2000" i="1" dirty="0" smtClean="0"/>
           </a:p>
           <a:p>
             <a:pPr lvl="1">
@@ -4343,20 +4815,40 @@
               <a:buChar char="•"/>
             </a:pPr>
             <a:r>
-              <a:rPr lang="en-US" dirty="0" smtClean="0"/>
-              <a:t>After you run MUSIC with </a:t>
-            </a:r>
-            <a:r>
-              <a:rPr lang="en-US" sz="2000" i="1" dirty="0" smtClean="0"/>
-              <a:t>–</a:t>
-            </a:r>
-            <a:r>
-              <a:rPr lang="en-US" sz="2000" i="1" dirty="0" err="1" smtClean="0"/>
-              <a:t>get_scale_spectrum</a:t>
-            </a:r>
-            <a:r>
-              <a:rPr lang="en-US" dirty="0" smtClean="0"/>
-              <a:t>, it writes a file named per_scale_stats.txt with lines like this:</a:t>
+              <a:rPr lang="en-US" sz="1500" i="1" dirty="0" err="1"/>
+              <a:t>l_win</a:t>
+            </a:r>
+            <a:r>
+              <a:rPr lang="en-US" sz="1500" i="1" dirty="0"/>
+              <a:t>: 1700	FNR: (FC:0.001) (p-val:0.001)	FPR: (</a:t>
+            </a:r>
+            <a:r>
+              <a:rPr lang="en-US" sz="1500" i="1" dirty="0" smtClean="0"/>
+              <a:t>FC:0.0101</a:t>
+            </a:r>
+            <a:r>
+              <a:rPr lang="en-US" sz="1500" i="1" dirty="0"/>
+              <a:t>) (</a:t>
+            </a:r>
+            <a:r>
+              <a:rPr lang="en-US" sz="1500" i="1" dirty="0" smtClean="0"/>
+              <a:t>p-val:0.0055</a:t>
+            </a:r>
+            <a:r>
+              <a:rPr lang="en-US" sz="1500" i="1" dirty="0"/>
+              <a:t>)	</a:t>
+            </a:r>
+            <a:r>
+              <a:rPr lang="en-US" sz="1500" i="1" dirty="0" err="1"/>
+              <a:t>Sentitivity</a:t>
+            </a:r>
+            <a:r>
+              <a:rPr lang="en-US" sz="1500" i="1" dirty="0"/>
+              <a:t>: </a:t>
+            </a:r>
+            <a:r>
+              <a:rPr lang="en-US" sz="1500" i="1" dirty="0" smtClean="0"/>
+              <a:t>0.999</a:t>
             </a:r>
           </a:p>
           <a:p>
@@ -4364,64 +4856,142 @@
               <a:buFont typeface="Arial" pitchFamily="34" charset="0"/>
               <a:buChar char="•"/>
             </a:pPr>
-            <a:r>
-              <a:rPr lang="en-US" sz="2000" i="1" dirty="0"/>
-              <a:t>27	56815.13	111	</a:t>
-            </a:r>
-            <a:r>
-              <a:rPr lang="en-US" sz="2000" i="1" dirty="0" smtClean="0"/>
-              <a:t>11675769</a:t>
-            </a:r>
-          </a:p>
-          <a:p>
-            <a:pPr lvl="2"/>
-            <a:r>
-              <a:rPr lang="en-US" sz="1600" i="1" dirty="0" smtClean="0"/>
-              <a:t>Column 1: Scale index </a:t>
-            </a:r>
-          </a:p>
-          <a:p>
-            <a:pPr lvl="2"/>
-            <a:r>
-              <a:rPr lang="en-US" sz="1600" i="1" dirty="0" smtClean="0"/>
-              <a:t>Column 2: Scale length (in base pairs, take nearest integer)</a:t>
-            </a:r>
-          </a:p>
-          <a:p>
-            <a:pPr lvl="2"/>
-            <a:r>
-              <a:rPr lang="en-US" sz="1600" i="1" dirty="0" smtClean="0"/>
-              <a:t>Column 3: Number of ERs that are specific to this scale length</a:t>
-            </a:r>
-          </a:p>
-          <a:p>
-            <a:pPr lvl="2"/>
-            <a:r>
-              <a:rPr lang="en-US" sz="1600" i="1" dirty="0" smtClean="0"/>
-              <a:t>Column 4: The </a:t>
-            </a:r>
-            <a:r>
-              <a:rPr lang="en-US" sz="1600" i="1" dirty="0" err="1" smtClean="0"/>
-              <a:t>covearge</a:t>
-            </a:r>
-            <a:r>
-              <a:rPr lang="en-US" sz="1600" i="1" dirty="0" smtClean="0"/>
-              <a:t> of the ERs</a:t>
-            </a:r>
+            <a:endParaRPr lang="en-US" sz="1200" i="1" dirty="0"/>
           </a:p>
           <a:p>
             <a:pPr lvl="1">
               <a:buFont typeface="Arial" pitchFamily="34" charset="0"/>
               <a:buChar char="•"/>
             </a:pPr>
-            <a:endParaRPr lang="en-US" sz="2000" i="1" dirty="0" smtClean="0"/>
+            <a:r>
+              <a:rPr lang="en-US" dirty="0" smtClean="0"/>
+              <a:t>I set </a:t>
+            </a:r>
+            <a:r>
+              <a:rPr lang="en-US" dirty="0" err="1" smtClean="0"/>
+              <a:t>l_p</a:t>
+            </a:r>
+            <a:r>
+              <a:rPr lang="en-US" dirty="0" smtClean="0"/>
+              <a:t> to the largest </a:t>
+            </a:r>
+            <a:r>
+              <a:rPr lang="en-US" dirty="0" err="1" smtClean="0"/>
+              <a:t>l_win</a:t>
+            </a:r>
+            <a:r>
+              <a:rPr lang="en-US" dirty="0" smtClean="0"/>
+              <a:t> such that where FPR for FC and p-value is below 1% (or very close)</a:t>
+            </a:r>
+          </a:p>
+          <a:p>
+            <a:pPr lvl="1">
+              <a:buFont typeface="Arial" pitchFamily="34" charset="0"/>
+              <a:buChar char="•"/>
+            </a:pPr>
+            <a:r>
+              <a:rPr lang="en-US" dirty="0" smtClean="0"/>
+              <a:t>Personally, we like inspecting this file since it gives an idea about whether the enrichment worked well.</a:t>
+            </a:r>
+          </a:p>
+          <a:p>
+            <a:pPr lvl="2"/>
+            <a:r>
+              <a:rPr lang="en-US" b="1" dirty="0" smtClean="0"/>
+              <a:t>If you don’t want to look at this file run MUSIC with ‘-</a:t>
+            </a:r>
+            <a:r>
+              <a:rPr lang="en-US" b="1" dirty="0" err="1" smtClean="0"/>
+              <a:t>l_p</a:t>
+            </a:r>
+            <a:r>
+              <a:rPr lang="en-US" b="1" dirty="0" smtClean="0"/>
+              <a:t> 0’, which tells MUSIC to select </a:t>
+            </a:r>
+            <a:r>
+              <a:rPr lang="en-US" b="1" dirty="0" err="1" smtClean="0"/>
+              <a:t>l_p</a:t>
+            </a:r>
+            <a:r>
+              <a:rPr lang="en-US" b="1" dirty="0" smtClean="0"/>
+              <a:t> parameter automatically from the file above.</a:t>
+            </a:r>
+          </a:p>
+          <a:p>
+            <a:pPr lvl="3"/>
+            <a:r>
+              <a:rPr lang="en-US" dirty="0" smtClean="0"/>
+              <a:t>You have to still run </a:t>
+            </a:r>
+            <a:r>
+              <a:rPr lang="en-US" i="1" dirty="0"/>
+              <a:t>-</a:t>
+            </a:r>
+            <a:r>
+              <a:rPr lang="en-US" i="1" dirty="0" err="1"/>
+              <a:t>get_per_win_p_vals_FC</a:t>
+            </a:r>
+            <a:r>
+              <a:rPr lang="en-US" i="1" dirty="0"/>
+              <a:t> </a:t>
+            </a:r>
+            <a:r>
+              <a:rPr lang="en-US" dirty="0" smtClean="0"/>
+              <a:t>for this to work.</a:t>
+            </a:r>
+          </a:p>
+          <a:p>
+            <a:pPr lvl="1">
+              <a:buFont typeface="Arial" pitchFamily="34" charset="0"/>
+              <a:buChar char="•"/>
+            </a:pPr>
+            <a:r>
+              <a:rPr lang="en-US" dirty="0" smtClean="0"/>
+              <a:t>We added a script under bin/</a:t>
+            </a:r>
+            <a:r>
+              <a:rPr lang="en-US" dirty="0" err="1" smtClean="0"/>
+              <a:t>run_MUSIC.csh</a:t>
+            </a:r>
+            <a:r>
+              <a:rPr lang="en-US" dirty="0" smtClean="0"/>
+              <a:t> that automatically selects and runs MUSIC with the best </a:t>
+            </a:r>
+            <a:r>
+              <a:rPr lang="en-US" dirty="0" err="1" smtClean="0"/>
+              <a:t>l_p</a:t>
+            </a:r>
+            <a:r>
+              <a:rPr lang="en-US" dirty="0" smtClean="0"/>
+              <a:t> parameter. When you do not want to deal with looking at this file, use this script.</a:t>
+            </a:r>
+          </a:p>
+          <a:p>
+            <a:pPr lvl="1">
+              <a:buFont typeface="Arial" pitchFamily="34" charset="0"/>
+              <a:buChar char="•"/>
+            </a:pPr>
+            <a:endParaRPr lang="en-US" dirty="0" smtClean="0"/>
+          </a:p>
+          <a:p>
+            <a:pPr lvl="1">
+              <a:buFont typeface="Arial" pitchFamily="34" charset="0"/>
+              <a:buChar char="•"/>
+            </a:pPr>
+            <a:endParaRPr lang="en-US" dirty="0" smtClean="0"/>
+          </a:p>
+          <a:p>
+            <a:pPr marL="457200" lvl="1" indent="0">
+              <a:buNone/>
+            </a:pPr>
+            <a:endParaRPr lang="en-US" dirty="0"/>
           </a:p>
         </p:txBody>
       </p:sp>
     </p:spTree>
     <p:extLst>
       <p:ext uri="{BB962C8B-B14F-4D97-AF65-F5344CB8AC3E}">
-        <p14:creationId xmlns:p14="http://schemas.microsoft.com/office/powerpoint/2010/main" val="4180186579"/>
+        <p14:creationId xmlns:p14="http://schemas.microsoft.com/office/powerpoint/2010/main" val="2640246190"/>
       </p:ext>
     </p:extLst>
   </p:cSld>
@@ -4509,267 +5079,136 @@
             </a:r>
             <a:r>
               <a:rPr lang="en-US" dirty="0" smtClean="0"/>
-              <a:t>: The 4 column per_scale_stats.txt file is what you need to plot the spectrum. I use the 4</a:t>
-            </a:r>
-            <a:r>
-              <a:rPr lang="en-US" baseline="30000" dirty="0" smtClean="0"/>
-              <a:t>th</a:t>
-            </a:r>
-            <a:r>
-              <a:rPr lang="en-US" dirty="0" smtClean="0"/>
-              <a:t> column (coverage of ERs at each scale) and plot it to visualize the scale spectrum. In MATLAB:</a:t>
-            </a:r>
-          </a:p>
-          <a:p>
-            <a:pPr marL="457200" lvl="1" indent="0">
-              <a:buNone/>
+              <a:t>: Next thing I do is look at the scale spectrum of the profile I have.</a:t>
+            </a:r>
+          </a:p>
+          <a:p>
+            <a:pPr lvl="1">
+              <a:buFont typeface="Arial" pitchFamily="34" charset="0"/>
+              <a:buChar char="•"/>
             </a:pPr>
             <a:r>
-              <a:rPr lang="fr-FR" sz="1600" i="1" dirty="0" err="1" smtClean="0"/>
-              <a:t>load</a:t>
-            </a:r>
-            <a:r>
-              <a:rPr lang="fr-FR" sz="1600" i="1" dirty="0" smtClean="0"/>
-              <a:t>(‘</a:t>
-            </a:r>
-            <a:r>
-              <a:rPr lang="en-US" sz="1600" dirty="0" smtClean="0"/>
-              <a:t>per_scale_stats.txt ‘);</a:t>
-            </a:r>
-          </a:p>
-          <a:p>
-            <a:pPr marL="457200" lvl="1" indent="0">
-              <a:buNone/>
+              <a:rPr lang="en-US" dirty="0" smtClean="0"/>
+              <a:t>Use </a:t>
+            </a:r>
+            <a:r>
+              <a:rPr lang="en-US" sz="2000" i="1" dirty="0" smtClean="0"/>
+              <a:t>–</a:t>
+            </a:r>
+            <a:r>
+              <a:rPr lang="en-US" sz="2000" i="1" dirty="0" err="1" smtClean="0"/>
+              <a:t>get_scale_spectrum</a:t>
+            </a:r>
+            <a:r>
+              <a:rPr lang="en-US" dirty="0" smtClean="0"/>
+              <a:t> option for this. Make sure you set </a:t>
+            </a:r>
+            <a:r>
+              <a:rPr lang="en-US" dirty="0" err="1" smtClean="0"/>
+              <a:t>l_p</a:t>
+            </a:r>
+            <a:r>
+              <a:rPr lang="en-US" dirty="0" smtClean="0"/>
+              <a:t> to the selected value from previous slide using </a:t>
+            </a:r>
+            <a:r>
+              <a:rPr lang="en-US" sz="2000" i="1" dirty="0" smtClean="0"/>
+              <a:t>–</a:t>
+            </a:r>
+            <a:r>
+              <a:rPr lang="en-US" sz="2000" i="1" dirty="0" err="1" smtClean="0"/>
+              <a:t>l_p</a:t>
+            </a:r>
+            <a:r>
+              <a:rPr lang="en-US" dirty="0" smtClean="0"/>
+              <a:t> option.</a:t>
+            </a:r>
+          </a:p>
+          <a:p>
+            <a:pPr lvl="1">
+              <a:buFont typeface="Arial" pitchFamily="34" charset="0"/>
+              <a:buChar char="•"/>
             </a:pPr>
             <a:r>
-              <a:rPr lang="fr-FR" sz="1600" i="1" dirty="0" smtClean="0"/>
-              <a:t>figure;</a:t>
-            </a:r>
-          </a:p>
-          <a:p>
-            <a:pPr marL="457200" lvl="1" indent="0">
-              <a:buNone/>
+              <a:rPr lang="en-US" dirty="0" smtClean="0"/>
+              <a:t>After you run MUSIC with </a:t>
+            </a:r>
+            <a:r>
+              <a:rPr lang="en-US" sz="2000" i="1" dirty="0" smtClean="0"/>
+              <a:t>–</a:t>
+            </a:r>
+            <a:r>
+              <a:rPr lang="en-US" sz="2000" i="1" dirty="0" err="1" smtClean="0"/>
+              <a:t>get_scale_spectrum</a:t>
+            </a:r>
+            <a:r>
+              <a:rPr lang="en-US" dirty="0" smtClean="0"/>
+              <a:t>, it writes a file named per_scale_stats.txt with lines like this:</a:t>
+            </a:r>
+          </a:p>
+          <a:p>
+            <a:pPr lvl="1">
+              <a:buFont typeface="Arial" pitchFamily="34" charset="0"/>
+              <a:buChar char="•"/>
             </a:pPr>
             <a:r>
-              <a:rPr lang="fr-FR" sz="1600" i="1" dirty="0" err="1" smtClean="0"/>
-              <a:t>semilogx</a:t>
-            </a:r>
-            <a:r>
-              <a:rPr lang="fr-FR" sz="1600" i="1" dirty="0" smtClean="0"/>
-              <a:t>(</a:t>
+              <a:rPr lang="en-US" sz="2000" i="1" dirty="0"/>
+              <a:t>27	56815.13	111	</a:t>
+            </a:r>
+            <a:r>
+              <a:rPr lang="en-US" sz="2000" i="1" dirty="0" smtClean="0"/>
+              <a:t>11675769</a:t>
+            </a:r>
+          </a:p>
+          <a:p>
+            <a:pPr lvl="2"/>
+            <a:r>
+              <a:rPr lang="en-US" sz="1600" i="1" dirty="0" smtClean="0"/>
+              <a:t>Column 1: Scale index </a:t>
+            </a:r>
+          </a:p>
+          <a:p>
+            <a:pPr lvl="2"/>
+            <a:r>
+              <a:rPr lang="en-US" sz="1600" i="1" dirty="0" smtClean="0"/>
+              <a:t>Column 2: Scale length (in base pairs, take nearest integer)</a:t>
+            </a:r>
+          </a:p>
+          <a:p>
+            <a:pPr lvl="2"/>
+            <a:r>
+              <a:rPr lang="en-US" sz="1600" i="1" dirty="0" smtClean="0"/>
+              <a:t>Column 3: Number of ERs that are specific to this scale length</a:t>
+            </a:r>
+          </a:p>
+          <a:p>
+            <a:pPr lvl="2"/>
+            <a:r>
+              <a:rPr lang="en-US" sz="1600" i="1" dirty="0" smtClean="0"/>
+              <a:t>Column 4: The </a:t>
             </a:r>
             <a:r>
               <a:rPr lang="en-US" sz="1600" i="1" dirty="0" err="1" smtClean="0"/>
-              <a:t>per_scale_stats</a:t>
-            </a:r>
-            <a:r>
-              <a:rPr lang="fr-FR" sz="1600" i="1" dirty="0" smtClean="0"/>
-              <a:t>(:,2), </a:t>
-            </a:r>
-            <a:r>
-              <a:rPr lang="en-US" sz="1600" i="1" dirty="0" err="1" smtClean="0"/>
-              <a:t>per_scale_stats</a:t>
-            </a:r>
-            <a:r>
-              <a:rPr lang="fr-FR" sz="1600" i="1" dirty="0" smtClean="0"/>
-              <a:t>(:,4)./</a:t>
-            </a:r>
-            <a:r>
-              <a:rPr lang="fr-FR" sz="1600" i="1" dirty="0" err="1" smtClean="0"/>
-              <a:t>sum</a:t>
-            </a:r>
-            <a:r>
-              <a:rPr lang="fr-FR" sz="1600" i="1" dirty="0" smtClean="0"/>
-              <a:t>(</a:t>
-            </a:r>
-            <a:r>
-              <a:rPr lang="en-US" sz="1600" i="1" dirty="0" err="1" smtClean="0"/>
-              <a:t>per_scale_stats</a:t>
-            </a:r>
-            <a:r>
-              <a:rPr lang="fr-FR" sz="1600" i="1" dirty="0" smtClean="0"/>
-              <a:t> (:,4)));</a:t>
-            </a:r>
-          </a:p>
-          <a:p>
-            <a:r>
-              <a:rPr lang="fr-FR" sz="2800" dirty="0" smtClean="0"/>
-              <a:t>It </a:t>
-            </a:r>
-            <a:r>
-              <a:rPr lang="fr-FR" sz="2800" dirty="0" err="1" smtClean="0"/>
-              <a:t>is</a:t>
-            </a:r>
-            <a:r>
-              <a:rPr lang="fr-FR" sz="2800" dirty="0" smtClean="0"/>
-              <a:t> </a:t>
-            </a:r>
-            <a:r>
-              <a:rPr lang="fr-FR" sz="2800" dirty="0" err="1" smtClean="0"/>
-              <a:t>useful</a:t>
-            </a:r>
-            <a:r>
-              <a:rPr lang="fr-FR" sz="2800" dirty="0" smtClean="0"/>
-              <a:t> to plot the x-axis in log </a:t>
-            </a:r>
-            <a:r>
-              <a:rPr lang="fr-FR" sz="2800" dirty="0" err="1" smtClean="0"/>
-              <a:t>scale</a:t>
-            </a:r>
-            <a:r>
-              <a:rPr lang="fr-FR" sz="2800" dirty="0" smtClean="0"/>
-              <a:t>.</a:t>
-            </a:r>
-          </a:p>
-          <a:p>
-            <a:r>
-              <a:rPr lang="fr-FR" sz="2800" dirty="0" smtClean="0"/>
-              <a:t>This plot </a:t>
-            </a:r>
-            <a:r>
-              <a:rPr lang="fr-FR" sz="2800" dirty="0" err="1" smtClean="0"/>
-              <a:t>gives</a:t>
-            </a:r>
-            <a:r>
-              <a:rPr lang="fr-FR" sz="2800" dirty="0" smtClean="0"/>
-              <a:t> </a:t>
-            </a:r>
-            <a:r>
-              <a:rPr lang="fr-FR" sz="2800" dirty="0" err="1" smtClean="0"/>
-              <a:t>you</a:t>
-            </a:r>
-            <a:r>
-              <a:rPr lang="fr-FR" sz="2800" dirty="0" smtClean="0"/>
-              <a:t> a good </a:t>
-            </a:r>
-            <a:r>
-              <a:rPr lang="fr-FR" sz="2800" dirty="0" err="1" smtClean="0"/>
-              <a:t>idea</a:t>
-            </a:r>
-            <a:r>
-              <a:rPr lang="fr-FR" sz="2800" dirty="0" smtClean="0"/>
-              <a:t> about </a:t>
-            </a:r>
-            <a:r>
-              <a:rPr lang="fr-FR" sz="2800" dirty="0" err="1" smtClean="0"/>
-              <a:t>which</a:t>
-            </a:r>
-            <a:r>
-              <a:rPr lang="fr-FR" sz="2800" dirty="0" smtClean="0"/>
-              <a:t> </a:t>
-            </a:r>
-            <a:r>
-              <a:rPr lang="fr-FR" sz="2800" dirty="0" err="1" smtClean="0"/>
-              <a:t>scales</a:t>
-            </a:r>
-            <a:r>
-              <a:rPr lang="fr-FR" sz="2800" dirty="0" smtClean="0"/>
-              <a:t> </a:t>
-            </a:r>
-            <a:r>
-              <a:rPr lang="fr-FR" sz="2800" dirty="0" err="1" smtClean="0"/>
-              <a:t>get</a:t>
-            </a:r>
-            <a:r>
-              <a:rPr lang="fr-FR" sz="2800" dirty="0" smtClean="0"/>
-              <a:t> </a:t>
-            </a:r>
-            <a:r>
-              <a:rPr lang="fr-FR" sz="2800" dirty="0" err="1" smtClean="0"/>
-              <a:t>enriched</a:t>
-            </a:r>
-            <a:r>
-              <a:rPr lang="fr-FR" sz="2800" dirty="0" smtClean="0"/>
-              <a:t> in </a:t>
-            </a:r>
-            <a:r>
-              <a:rPr lang="fr-FR" sz="2800" dirty="0" err="1" smtClean="0"/>
-              <a:t>your</a:t>
-            </a:r>
-            <a:r>
-              <a:rPr lang="fr-FR" sz="2800" dirty="0" smtClean="0"/>
-              <a:t> </a:t>
-            </a:r>
-            <a:r>
-              <a:rPr lang="fr-FR" sz="2800" dirty="0" err="1" smtClean="0"/>
-              <a:t>experiment</a:t>
-            </a:r>
-            <a:r>
-              <a:rPr lang="fr-FR" sz="2800" dirty="0" smtClean="0"/>
-              <a:t>. </a:t>
-            </a:r>
-            <a:r>
-              <a:rPr lang="fr-FR" sz="2800" dirty="0" err="1" smtClean="0"/>
-              <a:t>Now</a:t>
-            </a:r>
-            <a:r>
-              <a:rPr lang="fr-FR" sz="2800" dirty="0" smtClean="0"/>
-              <a:t> select </a:t>
-            </a:r>
-            <a:r>
-              <a:rPr lang="fr-FR" sz="2800" dirty="0" err="1" smtClean="0"/>
-              <a:t>scale</a:t>
-            </a:r>
-            <a:r>
-              <a:rPr lang="fr-FR" sz="2800" dirty="0" smtClean="0"/>
-              <a:t> </a:t>
-            </a:r>
-            <a:r>
-              <a:rPr lang="fr-FR" sz="2800" dirty="0" err="1" smtClean="0"/>
-              <a:t>levels</a:t>
-            </a:r>
-            <a:r>
-              <a:rPr lang="fr-FR" sz="2800" dirty="0" smtClean="0"/>
-              <a:t> </a:t>
-            </a:r>
-            <a:r>
-              <a:rPr lang="fr-FR" sz="2800" dirty="0" err="1" smtClean="0"/>
-              <a:t>that</a:t>
-            </a:r>
-            <a:r>
-              <a:rPr lang="fr-FR" sz="2800" dirty="0" smtClean="0"/>
-              <a:t> </a:t>
-            </a:r>
-            <a:r>
-              <a:rPr lang="fr-FR" sz="2800" dirty="0" err="1" smtClean="0"/>
-              <a:t>you</a:t>
-            </a:r>
-            <a:r>
-              <a:rPr lang="fr-FR" sz="2800" dirty="0" smtClean="0"/>
-              <a:t> </a:t>
-            </a:r>
-            <a:r>
-              <a:rPr lang="fr-FR" sz="2800" dirty="0" err="1" smtClean="0"/>
-              <a:t>would</a:t>
-            </a:r>
-            <a:r>
-              <a:rPr lang="fr-FR" sz="2800" dirty="0" smtClean="0"/>
-              <a:t> </a:t>
-            </a:r>
-            <a:r>
-              <a:rPr lang="fr-FR" sz="2800" dirty="0" err="1" smtClean="0"/>
-              <a:t>like</a:t>
-            </a:r>
-            <a:r>
-              <a:rPr lang="fr-FR" sz="2800" dirty="0" smtClean="0"/>
-              <a:t> to </a:t>
-            </a:r>
-            <a:r>
-              <a:rPr lang="fr-FR" sz="2800" dirty="0" err="1" smtClean="0"/>
-              <a:t>analyze</a:t>
-            </a:r>
-            <a:r>
-              <a:rPr lang="fr-FR" sz="2800" dirty="0" smtClean="0"/>
-              <a:t>.</a:t>
-            </a:r>
-            <a:endParaRPr lang="en-US" sz="2800" dirty="0" smtClean="0"/>
+              <a:t>covearge</a:t>
+            </a:r>
+            <a:r>
+              <a:rPr lang="en-US" sz="1600" i="1" dirty="0" smtClean="0"/>
+              <a:t> of the ERs</a:t>
+            </a:r>
+          </a:p>
+          <a:p>
+            <a:pPr lvl="1">
+              <a:buFont typeface="Arial" pitchFamily="34" charset="0"/>
+              <a:buChar char="•"/>
+            </a:pPr>
+            <a:endParaRPr lang="en-US" sz="2000" i="1" dirty="0" smtClean="0"/>
           </a:p>
         </p:txBody>
       </p:sp>
     </p:spTree>
     <p:extLst>
       <p:ext uri="{BB962C8B-B14F-4D97-AF65-F5344CB8AC3E}">
-        <p14:creationId xmlns:p14="http://schemas.microsoft.com/office/powerpoint/2010/main" val="2994545208"/>
+        <p14:creationId xmlns:p14="http://schemas.microsoft.com/office/powerpoint/2010/main" val="4180186579"/>
       </p:ext>
     </p:extLst>
   </p:cSld>
@@ -4806,55 +5245,461 @@
             <p:ph type="title"/>
           </p:nvPr>
         </p:nvSpPr>
+        <p:spPr/>
+        <p:txBody>
+          <a:bodyPr>
+            <a:normAutofit fontScale="90000"/>
+          </a:bodyPr>
+          <a:lstStyle/>
+          <a:p>
+            <a:r>
+              <a:rPr lang="en-US" dirty="0" smtClean="0"/>
+              <a:t>Ok, I have selected </a:t>
+            </a:r>
+            <a:r>
+              <a:rPr lang="en-US" dirty="0" err="1" smtClean="0"/>
+              <a:t>l_p</a:t>
+            </a:r>
+            <a:r>
+              <a:rPr lang="en-US" dirty="0" smtClean="0"/>
+              <a:t>. What should I do next?</a:t>
+            </a:r>
+            <a:endParaRPr lang="en-US" dirty="0"/>
+          </a:p>
+        </p:txBody>
+      </p:sp>
+      <p:sp>
+        <p:nvSpPr>
+          <p:cNvPr id="3" name="Content Placeholder 2"/>
+          <p:cNvSpPr>
+            <a:spLocks noGrp="1"/>
+          </p:cNvSpPr>
+          <p:nvPr>
+            <p:ph idx="1"/>
+          </p:nvPr>
+        </p:nvSpPr>
         <p:spPr>
           <a:xfrm>
-            <a:off x="457200" y="-76200"/>
-            <a:ext cx="8229600" cy="1143000"/>
+            <a:off x="457200" y="1600200"/>
+            <a:ext cx="8229600" cy="5029200"/>
           </a:xfrm>
         </p:spPr>
         <p:txBody>
-          <a:bodyPr/>
-          <a:lstStyle/>
-          <a:p>
-            <a:r>
-              <a:rPr lang="en-US" dirty="0" smtClean="0"/>
-              <a:t>Finally, ER identification?</a:t>
-            </a:r>
-            <a:endParaRPr lang="en-US" dirty="0"/>
-          </a:p>
-        </p:txBody>
-      </p:sp>
-      <p:sp>
-        <p:nvSpPr>
-          <p:cNvPr id="3" name="Content Placeholder 2"/>
-          <p:cNvSpPr>
-            <a:spLocks noGrp="1"/>
-          </p:cNvSpPr>
-          <p:nvPr>
-            <p:ph idx="1"/>
-          </p:nvPr>
-        </p:nvSpPr>
-        <p:spPr>
-          <a:xfrm>
-            <a:off x="457200" y="914400"/>
-            <a:ext cx="8229600" cy="6477000"/>
-          </a:xfrm>
-        </p:spPr>
-        <p:txBody>
           <a:bodyPr>
-            <a:normAutofit fontScale="70000" lnSpcReduction="20000"/>
+            <a:normAutofit fontScale="77500" lnSpcReduction="20000"/>
           </a:bodyPr>
           <a:lstStyle/>
           <a:p>
             <a:r>
-              <a:rPr lang="en-US" dirty="0" smtClean="0"/>
-              <a:t>Yes. For this, we will use the scale levels that we are interested in. Note that in the manuscript, we did a thorough analysis to identify the scale levels for human datasets. If you have human datasets, the default parameters work pretty well. </a:t>
-            </a:r>
-          </a:p>
-          <a:p>
-            <a:r>
-              <a:rPr lang="en-US" dirty="0" smtClean="0"/>
-              <a:t>For ER identification, run MUSIC with </a:t>
+              <a:rPr lang="en-US" dirty="0" err="1" smtClean="0"/>
+              <a:t>Arif</a:t>
+            </a:r>
+            <a:r>
+              <a:rPr lang="en-US" dirty="0" smtClean="0"/>
+              <a:t>: The 4 column per_scale_stats.txt file is what you need to plot the spectrum. I use the 4</a:t>
+            </a:r>
+            <a:r>
+              <a:rPr lang="en-US" baseline="30000" dirty="0" smtClean="0"/>
+              <a:t>th</a:t>
+            </a:r>
+            <a:r>
+              <a:rPr lang="en-US" dirty="0" smtClean="0"/>
+              <a:t> column (coverage of ERs at each scale) and plot it to visualize the scale spectrum. In MATLAB:</a:t>
+            </a:r>
+          </a:p>
+          <a:p>
+            <a:pPr marL="457200" lvl="1" indent="0">
+              <a:buNone/>
+            </a:pPr>
+            <a:r>
+              <a:rPr lang="fr-FR" sz="1600" i="1" dirty="0" err="1" smtClean="0"/>
+              <a:t>load</a:t>
+            </a:r>
+            <a:r>
+              <a:rPr lang="fr-FR" sz="1600" i="1" dirty="0" smtClean="0"/>
+              <a:t>(‘</a:t>
+            </a:r>
+            <a:r>
+              <a:rPr lang="en-US" sz="1600" dirty="0" smtClean="0"/>
+              <a:t>per_scale_stats.txt ‘);</a:t>
+            </a:r>
+          </a:p>
+          <a:p>
+            <a:pPr marL="457200" lvl="1" indent="0">
+              <a:buNone/>
+            </a:pPr>
+            <a:r>
+              <a:rPr lang="fr-FR" sz="1600" i="1" dirty="0" smtClean="0"/>
+              <a:t>figure;</a:t>
+            </a:r>
+          </a:p>
+          <a:p>
+            <a:pPr marL="457200" lvl="1" indent="0">
+              <a:buNone/>
+            </a:pPr>
+            <a:r>
+              <a:rPr lang="fr-FR" sz="1600" i="1" dirty="0" err="1" smtClean="0"/>
+              <a:t>semilogx</a:t>
+            </a:r>
+            <a:r>
+              <a:rPr lang="fr-FR" sz="1600" i="1" dirty="0" smtClean="0"/>
+              <a:t>(</a:t>
+            </a:r>
+            <a:r>
+              <a:rPr lang="en-US" sz="1600" i="1" dirty="0" err="1" smtClean="0"/>
+              <a:t>per_scale_stats</a:t>
+            </a:r>
+            <a:r>
+              <a:rPr lang="fr-FR" sz="1600" i="1" dirty="0" smtClean="0"/>
+              <a:t>(:,2), </a:t>
+            </a:r>
+            <a:r>
+              <a:rPr lang="en-US" sz="1600" i="1" dirty="0" err="1" smtClean="0"/>
+              <a:t>per_scale_stats</a:t>
+            </a:r>
+            <a:r>
+              <a:rPr lang="fr-FR" sz="1600" i="1" dirty="0" smtClean="0"/>
+              <a:t>(:,4)./</a:t>
+            </a:r>
+            <a:r>
+              <a:rPr lang="fr-FR" sz="1600" i="1" dirty="0" err="1" smtClean="0"/>
+              <a:t>sum</a:t>
+            </a:r>
+            <a:r>
+              <a:rPr lang="fr-FR" sz="1600" i="1" dirty="0" smtClean="0"/>
+              <a:t>(</a:t>
+            </a:r>
+            <a:r>
+              <a:rPr lang="en-US" sz="1600" i="1" dirty="0" err="1" smtClean="0"/>
+              <a:t>per_scale_stats</a:t>
+            </a:r>
+            <a:r>
+              <a:rPr lang="fr-FR" sz="1600" i="1" dirty="0" smtClean="0"/>
+              <a:t> (:,4)));</a:t>
+            </a:r>
+          </a:p>
+          <a:p>
+            <a:r>
+              <a:rPr lang="fr-FR" sz="2800" dirty="0" smtClean="0"/>
+              <a:t>It </a:t>
+            </a:r>
+            <a:r>
+              <a:rPr lang="fr-FR" sz="2800" dirty="0" err="1" smtClean="0"/>
+              <a:t>is</a:t>
+            </a:r>
+            <a:r>
+              <a:rPr lang="fr-FR" sz="2800" dirty="0" smtClean="0"/>
+              <a:t> </a:t>
+            </a:r>
+            <a:r>
+              <a:rPr lang="fr-FR" sz="2800" dirty="0" err="1" smtClean="0"/>
+              <a:t>useful</a:t>
+            </a:r>
+            <a:r>
+              <a:rPr lang="fr-FR" sz="2800" dirty="0" smtClean="0"/>
+              <a:t> to plot the x-axis in log </a:t>
+            </a:r>
+            <a:r>
+              <a:rPr lang="fr-FR" sz="2800" dirty="0" err="1" smtClean="0"/>
+              <a:t>scale</a:t>
+            </a:r>
+            <a:r>
+              <a:rPr lang="fr-FR" sz="2800" dirty="0" smtClean="0"/>
+              <a:t>.</a:t>
+            </a:r>
+          </a:p>
+          <a:p>
+            <a:r>
+              <a:rPr lang="fr-FR" sz="2800" dirty="0" smtClean="0"/>
+              <a:t>This plot </a:t>
+            </a:r>
+            <a:r>
+              <a:rPr lang="fr-FR" sz="2800" dirty="0" err="1" smtClean="0"/>
+              <a:t>gives</a:t>
+            </a:r>
+            <a:r>
+              <a:rPr lang="fr-FR" sz="2800" dirty="0" smtClean="0"/>
+              <a:t> </a:t>
+            </a:r>
+            <a:r>
+              <a:rPr lang="fr-FR" sz="2800" dirty="0" err="1" smtClean="0"/>
+              <a:t>you</a:t>
+            </a:r>
+            <a:r>
+              <a:rPr lang="fr-FR" sz="2800" dirty="0" smtClean="0"/>
+              <a:t> a good </a:t>
+            </a:r>
+            <a:r>
+              <a:rPr lang="fr-FR" sz="2800" dirty="0" err="1" smtClean="0"/>
+              <a:t>idea</a:t>
+            </a:r>
+            <a:r>
+              <a:rPr lang="fr-FR" sz="2800" dirty="0" smtClean="0"/>
+              <a:t> about </a:t>
+            </a:r>
+            <a:r>
+              <a:rPr lang="fr-FR" sz="2800" dirty="0" err="1" smtClean="0"/>
+              <a:t>which</a:t>
+            </a:r>
+            <a:r>
+              <a:rPr lang="fr-FR" sz="2800" dirty="0" smtClean="0"/>
+              <a:t> </a:t>
+            </a:r>
+            <a:r>
+              <a:rPr lang="fr-FR" sz="2800" dirty="0" err="1" smtClean="0"/>
+              <a:t>scales</a:t>
+            </a:r>
+            <a:r>
+              <a:rPr lang="fr-FR" sz="2800" dirty="0" smtClean="0"/>
+              <a:t> </a:t>
+            </a:r>
+            <a:r>
+              <a:rPr lang="fr-FR" sz="2800" dirty="0" err="1" smtClean="0"/>
+              <a:t>get</a:t>
+            </a:r>
+            <a:r>
+              <a:rPr lang="fr-FR" sz="2800" dirty="0" smtClean="0"/>
+              <a:t> </a:t>
+            </a:r>
+            <a:r>
+              <a:rPr lang="fr-FR" sz="2800" dirty="0" err="1" smtClean="0"/>
+              <a:t>enriched</a:t>
+            </a:r>
+            <a:r>
+              <a:rPr lang="fr-FR" sz="2800" dirty="0" smtClean="0"/>
+              <a:t> in </a:t>
+            </a:r>
+            <a:r>
+              <a:rPr lang="fr-FR" sz="2800" dirty="0" err="1" smtClean="0"/>
+              <a:t>your</a:t>
+            </a:r>
+            <a:r>
+              <a:rPr lang="fr-FR" sz="2800" dirty="0" smtClean="0"/>
+              <a:t> </a:t>
+            </a:r>
+            <a:r>
+              <a:rPr lang="fr-FR" sz="2800" dirty="0" err="1" smtClean="0"/>
+              <a:t>experiment</a:t>
+            </a:r>
+            <a:r>
+              <a:rPr lang="fr-FR" sz="2800" dirty="0" smtClean="0"/>
+              <a:t>. </a:t>
+            </a:r>
+            <a:r>
+              <a:rPr lang="fr-FR" sz="2800" dirty="0" err="1" smtClean="0"/>
+              <a:t>Now</a:t>
+            </a:r>
+            <a:r>
+              <a:rPr lang="fr-FR" sz="2800" dirty="0" smtClean="0"/>
+              <a:t> select </a:t>
+            </a:r>
+            <a:r>
+              <a:rPr lang="fr-FR" sz="2800" dirty="0" err="1" smtClean="0"/>
+              <a:t>scale</a:t>
+            </a:r>
+            <a:r>
+              <a:rPr lang="fr-FR" sz="2800" dirty="0" smtClean="0"/>
+              <a:t> </a:t>
+            </a:r>
+            <a:r>
+              <a:rPr lang="fr-FR" sz="2800" dirty="0" err="1" smtClean="0"/>
+              <a:t>levels</a:t>
+            </a:r>
+            <a:r>
+              <a:rPr lang="fr-FR" sz="2800" dirty="0" smtClean="0"/>
+              <a:t> </a:t>
+            </a:r>
+            <a:r>
+              <a:rPr lang="fr-FR" sz="2800" dirty="0" err="1" smtClean="0"/>
+              <a:t>that</a:t>
+            </a:r>
+            <a:r>
+              <a:rPr lang="fr-FR" sz="2800" dirty="0" smtClean="0"/>
+              <a:t> </a:t>
+            </a:r>
+            <a:r>
+              <a:rPr lang="fr-FR" sz="2800" dirty="0" err="1" smtClean="0"/>
+              <a:t>you</a:t>
+            </a:r>
+            <a:r>
+              <a:rPr lang="fr-FR" sz="2800" dirty="0" smtClean="0"/>
+              <a:t> </a:t>
+            </a:r>
+            <a:r>
+              <a:rPr lang="fr-FR" sz="2800" dirty="0" err="1" smtClean="0"/>
+              <a:t>would</a:t>
+            </a:r>
+            <a:r>
+              <a:rPr lang="fr-FR" sz="2800" dirty="0" smtClean="0"/>
+              <a:t> </a:t>
+            </a:r>
+            <a:r>
+              <a:rPr lang="fr-FR" sz="2800" dirty="0" err="1" smtClean="0"/>
+              <a:t>like</a:t>
+            </a:r>
+            <a:r>
+              <a:rPr lang="fr-FR" sz="2800" dirty="0" smtClean="0"/>
+              <a:t> to </a:t>
+            </a:r>
+            <a:r>
+              <a:rPr lang="fr-FR" sz="2800" dirty="0" err="1" smtClean="0"/>
+              <a:t>analyze</a:t>
+            </a:r>
+            <a:r>
+              <a:rPr lang="fr-FR" sz="2800" dirty="0" smtClean="0"/>
+              <a:t>.</a:t>
+            </a:r>
+          </a:p>
+          <a:p>
+            <a:r>
+              <a:rPr lang="fr-FR" sz="2800" dirty="0" smtClean="0"/>
+              <a:t>For </a:t>
+            </a:r>
+            <a:r>
+              <a:rPr lang="fr-FR" sz="2800" dirty="0" err="1" smtClean="0"/>
+              <a:t>this</a:t>
+            </a:r>
+            <a:r>
+              <a:rPr lang="fr-FR" sz="2800" dirty="0" smtClean="0"/>
+              <a:t>, I </a:t>
+            </a:r>
+            <a:r>
+              <a:rPr lang="fr-FR" sz="2800" dirty="0" err="1" smtClean="0"/>
+              <a:t>usually</a:t>
+            </a:r>
+            <a:r>
+              <a:rPr lang="fr-FR" sz="2800" dirty="0" smtClean="0"/>
+              <a:t> </a:t>
+            </a:r>
+            <a:r>
+              <a:rPr lang="fr-FR" sz="2800" dirty="0" err="1" smtClean="0"/>
+              <a:t>decide</a:t>
+            </a:r>
+            <a:r>
+              <a:rPr lang="fr-FR" sz="2800" dirty="0" smtClean="0"/>
+              <a:t> </a:t>
+            </a:r>
+            <a:r>
+              <a:rPr lang="fr-FR" sz="2800" dirty="0" err="1" smtClean="0"/>
+              <a:t>whether</a:t>
+            </a:r>
+            <a:r>
+              <a:rPr lang="fr-FR" sz="2800" dirty="0" smtClean="0"/>
+              <a:t> the </a:t>
+            </a:r>
+            <a:r>
+              <a:rPr lang="fr-FR" sz="2800" dirty="0" err="1" smtClean="0"/>
+              <a:t>scale</a:t>
+            </a:r>
+            <a:r>
+              <a:rPr lang="fr-FR" sz="2800" dirty="0" smtClean="0"/>
+              <a:t> </a:t>
+            </a:r>
+            <a:r>
+              <a:rPr lang="fr-FR" sz="2800" dirty="0" err="1" smtClean="0"/>
+              <a:t>spectrum</a:t>
+            </a:r>
+            <a:r>
+              <a:rPr lang="fr-FR" sz="2800" dirty="0" smtClean="0"/>
+              <a:t> </a:t>
+            </a:r>
+            <a:r>
+              <a:rPr lang="fr-FR" sz="2800" dirty="0" err="1" smtClean="0"/>
+              <a:t>is</a:t>
+            </a:r>
+            <a:r>
+              <a:rPr lang="fr-FR" sz="2800" dirty="0" smtClean="0"/>
+              <a:t> </a:t>
+            </a:r>
+            <a:r>
+              <a:rPr lang="fr-FR" sz="2800" dirty="0" err="1" smtClean="0"/>
+              <a:t>shifted</a:t>
+            </a:r>
+            <a:r>
+              <a:rPr lang="fr-FR" sz="2800" dirty="0" smtClean="0"/>
+              <a:t> </a:t>
+            </a:r>
+            <a:r>
+              <a:rPr lang="fr-FR" sz="2800" dirty="0" err="1" smtClean="0"/>
+              <a:t>towards</a:t>
+            </a:r>
+            <a:r>
+              <a:rPr lang="fr-FR" sz="2800" dirty="0" smtClean="0"/>
+              <a:t> </a:t>
+            </a:r>
+            <a:r>
+              <a:rPr lang="fr-FR" sz="2800" dirty="0" err="1" smtClean="0"/>
+              <a:t>higher</a:t>
+            </a:r>
+            <a:r>
+              <a:rPr lang="fr-FR" sz="2800" dirty="0" smtClean="0"/>
+              <a:t> </a:t>
+            </a:r>
+            <a:r>
+              <a:rPr lang="fr-FR" sz="2800" dirty="0" err="1" smtClean="0"/>
+              <a:t>scales</a:t>
+            </a:r>
+            <a:r>
+              <a:rPr lang="fr-FR" sz="2800" dirty="0" smtClean="0"/>
+              <a:t>, if </a:t>
+            </a:r>
+            <a:r>
+              <a:rPr lang="fr-FR" sz="2800" dirty="0" err="1" smtClean="0"/>
+              <a:t>so</a:t>
+            </a:r>
+            <a:r>
+              <a:rPr lang="fr-FR" sz="2800" dirty="0" smtClean="0"/>
+              <a:t>, I use the default </a:t>
+            </a:r>
+            <a:r>
+              <a:rPr lang="fr-FR" sz="2800" dirty="0" err="1" smtClean="0"/>
+              <a:t>broad</a:t>
+            </a:r>
+            <a:r>
+              <a:rPr lang="fr-FR" sz="2800" dirty="0" smtClean="0"/>
+              <a:t> ER </a:t>
+            </a:r>
+            <a:r>
+              <a:rPr lang="fr-FR" sz="2800" dirty="0" err="1" smtClean="0"/>
+              <a:t>calling</a:t>
+            </a:r>
+            <a:r>
+              <a:rPr lang="fr-FR" sz="2800" dirty="0" smtClean="0"/>
+              <a:t> </a:t>
+            </a:r>
+            <a:r>
+              <a:rPr lang="fr-FR" sz="2800" dirty="0" err="1" smtClean="0"/>
+              <a:t>parameters</a:t>
+            </a:r>
+            <a:r>
+              <a:rPr lang="fr-FR" sz="2800" dirty="0" smtClean="0"/>
+              <a:t> (-</a:t>
+            </a:r>
+            <a:r>
+              <a:rPr lang="fr-FR" sz="2800" dirty="0" err="1" smtClean="0"/>
+              <a:t>get_multiscale_broad_ERs</a:t>
+            </a:r>
+            <a:r>
+              <a:rPr lang="fr-FR" sz="2800" dirty="0" smtClean="0"/>
+              <a:t>)</a:t>
+            </a:r>
+          </a:p>
+          <a:p>
+            <a:r>
+              <a:rPr lang="fr-FR" sz="2800" dirty="0" err="1" smtClean="0"/>
+              <a:t>Otherwise</a:t>
+            </a:r>
+            <a:r>
+              <a:rPr lang="fr-FR" sz="2800" dirty="0" smtClean="0"/>
+              <a:t> I use </a:t>
+            </a:r>
+            <a:r>
+              <a:rPr lang="fr-FR" sz="2800" dirty="0" err="1" smtClean="0"/>
+              <a:t>punctate</a:t>
+            </a:r>
+            <a:r>
+              <a:rPr lang="fr-FR" sz="2800" dirty="0" smtClean="0"/>
+              <a:t> option </a:t>
             </a:r>
           </a:p>
           <a:p>
@@ -4862,263 +5707,25 @@
               <a:buNone/>
             </a:pPr>
             <a:r>
-              <a:rPr lang="en-US" sz="2000" i="1" dirty="0" smtClean="0"/>
-              <a:t>-</a:t>
-            </a:r>
-            <a:r>
-              <a:rPr lang="en-US" sz="2000" i="1" dirty="0" err="1" smtClean="0"/>
-              <a:t>get_multiscale_broad_ERs</a:t>
-            </a:r>
-            <a:r>
-              <a:rPr lang="en-US" dirty="0" smtClean="0"/>
-              <a:t> option. Make sure scales are specified with </a:t>
-            </a:r>
-            <a:r>
-              <a:rPr lang="en-US" i="1" dirty="0" smtClean="0"/>
-              <a:t>–</a:t>
-            </a:r>
-            <a:r>
-              <a:rPr lang="en-US" i="1" dirty="0" err="1" smtClean="0"/>
-              <a:t>begin_l</a:t>
-            </a:r>
-            <a:r>
-              <a:rPr lang="en-US" dirty="0" smtClean="0"/>
-              <a:t> and </a:t>
-            </a:r>
-            <a:r>
-              <a:rPr lang="en-US" i="1" dirty="0" smtClean="0"/>
-              <a:t>–</a:t>
-            </a:r>
-            <a:r>
-              <a:rPr lang="en-US" i="1" dirty="0" err="1" smtClean="0"/>
-              <a:t>end_l</a:t>
-            </a:r>
-            <a:r>
-              <a:rPr lang="en-US" dirty="0" smtClean="0"/>
-              <a:t> and </a:t>
-            </a:r>
-            <a:r>
-              <a:rPr lang="en-US" dirty="0" err="1" smtClean="0"/>
-              <a:t>l_p</a:t>
-            </a:r>
-            <a:r>
-              <a:rPr lang="en-US" dirty="0" smtClean="0"/>
-              <a:t> is specified with </a:t>
-            </a:r>
-            <a:r>
-              <a:rPr lang="en-US" i="1" dirty="0" smtClean="0"/>
-              <a:t>–</a:t>
-            </a:r>
-            <a:r>
-              <a:rPr lang="en-US" i="1" dirty="0" err="1" smtClean="0"/>
-              <a:t>l_p</a:t>
-            </a:r>
-            <a:r>
-              <a:rPr lang="en-US" dirty="0" smtClean="0"/>
-              <a:t> options. </a:t>
-            </a:r>
-          </a:p>
-          <a:p>
-            <a:r>
-              <a:rPr lang="en-US" dirty="0" smtClean="0"/>
-              <a:t>Don’t forget to specify </a:t>
-            </a:r>
-            <a:r>
-              <a:rPr lang="en-US" dirty="0" err="1" smtClean="0"/>
-              <a:t>mappability</a:t>
-            </a:r>
-            <a:r>
-              <a:rPr lang="en-US" dirty="0" smtClean="0"/>
-              <a:t> profile with </a:t>
-            </a:r>
-          </a:p>
-          <a:p>
-            <a:pPr marL="0" indent="0">
-              <a:buNone/>
-            </a:pPr>
-            <a:r>
-              <a:rPr lang="en-US" sz="2200" i="1" dirty="0" smtClean="0"/>
-              <a:t>–</a:t>
-            </a:r>
-            <a:r>
-              <a:rPr lang="en-US" sz="2200" i="1" dirty="0" err="1" smtClean="0"/>
-              <a:t>mapp</a:t>
-            </a:r>
-            <a:r>
-              <a:rPr lang="en-US" dirty="0" smtClean="0"/>
-              <a:t>. With this, you also need the read length  at which the </a:t>
-            </a:r>
-            <a:r>
-              <a:rPr lang="en-US" dirty="0" err="1" smtClean="0"/>
-              <a:t>mappability</a:t>
-            </a:r>
-            <a:r>
-              <a:rPr lang="en-US" dirty="0" smtClean="0"/>
-              <a:t> profile is generated, use </a:t>
-            </a:r>
-          </a:p>
-          <a:p>
-            <a:pPr marL="0" indent="0">
-              <a:buNone/>
-            </a:pPr>
-            <a:r>
-              <a:rPr lang="en-US" sz="2200" i="1" dirty="0" smtClean="0"/>
-              <a:t>–</a:t>
-            </a:r>
-            <a:r>
-              <a:rPr lang="en-US" sz="2200" i="1" dirty="0" err="1" smtClean="0"/>
-              <a:t>l_mapp</a:t>
-            </a:r>
-            <a:r>
-              <a:rPr lang="en-US" dirty="0" smtClean="0"/>
-              <a:t> to specify it.</a:t>
-            </a:r>
-          </a:p>
-          <a:p>
-            <a:r>
-              <a:rPr lang="en-US" dirty="0" smtClean="0"/>
-              <a:t>Several of the</a:t>
-            </a:r>
-          </a:p>
-          <a:p>
-            <a:r>
-              <a:rPr lang="en-US" dirty="0"/>
-              <a:t>Broad </a:t>
-            </a:r>
-            <a:r>
-              <a:rPr lang="en-US" dirty="0" smtClean="0"/>
-              <a:t>Marks (</a:t>
-            </a:r>
-            <a:r>
-              <a:rPr lang="en-US" i="1" dirty="0"/>
-              <a:t>-</a:t>
-            </a:r>
-            <a:r>
-              <a:rPr lang="en-US" i="1" dirty="0" err="1" smtClean="0"/>
-              <a:t>get_multiscale_broad_ERs</a:t>
-            </a:r>
-            <a:r>
-              <a:rPr lang="en-US" i="1" dirty="0" smtClean="0"/>
+              <a:rPr lang="fr-FR" sz="2800" dirty="0" smtClean="0"/>
+              <a:t>(-</a:t>
+            </a:r>
+            <a:r>
+              <a:rPr lang="fr-FR" sz="2800" dirty="0" err="1" smtClean="0"/>
+              <a:t>get_multiscale_punctate_ERs</a:t>
+            </a:r>
+            <a:r>
+              <a:rPr lang="fr-FR" sz="2800" dirty="0"/>
               <a:t>)</a:t>
             </a:r>
-            <a:endParaRPr lang="en-US" dirty="0" smtClean="0"/>
-          </a:p>
-          <a:p>
-            <a:pPr lvl="1"/>
-            <a:r>
-              <a:rPr lang="en-US" dirty="0" smtClean="0"/>
-              <a:t>H3K36me3, H3K27me3, H3K9me3, H3K79me2, H4K20me1, …</a:t>
-            </a:r>
-          </a:p>
-          <a:p>
-            <a:r>
-              <a:rPr lang="en-US" dirty="0" smtClean="0"/>
-              <a:t>Punctate </a:t>
-            </a:r>
-            <a:r>
-              <a:rPr lang="en-US" dirty="0"/>
-              <a:t>Marks (</a:t>
-            </a:r>
-            <a:r>
-              <a:rPr lang="en-US" i="1" dirty="0"/>
-              <a:t>-</a:t>
-            </a:r>
-            <a:r>
-              <a:rPr lang="en-US" i="1" dirty="0" err="1" smtClean="0"/>
-              <a:t>get_multiscale_punctate_ERs</a:t>
-            </a:r>
-            <a:r>
-              <a:rPr lang="en-US" i="1" dirty="0"/>
-              <a:t>)</a:t>
-            </a:r>
-            <a:endParaRPr lang="en-US" dirty="0" smtClean="0"/>
-          </a:p>
-          <a:p>
-            <a:pPr lvl="1"/>
-            <a:r>
-              <a:rPr lang="en-US" dirty="0" smtClean="0"/>
-              <a:t>H3K4me3, H3K27ac, H3K4me1, Pol2, …</a:t>
-            </a:r>
-          </a:p>
-          <a:p>
-            <a:pPr lvl="1"/>
-            <a:r>
-              <a:rPr lang="en-US" b="1" i="1" smtClean="0"/>
-              <a:t>MUSIC identifies the </a:t>
-            </a:r>
-            <a:r>
-              <a:rPr lang="en-US" b="1" i="1" dirty="0" smtClean="0"/>
-              <a:t>troughs for these ERs</a:t>
-            </a:r>
-          </a:p>
-          <a:p>
-            <a:r>
-              <a:rPr lang="en-US" dirty="0" smtClean="0"/>
-              <a:t>TFs (</a:t>
-            </a:r>
-            <a:r>
-              <a:rPr lang="en-US" i="1" dirty="0" smtClean="0"/>
-              <a:t>-</a:t>
-            </a:r>
-            <a:r>
-              <a:rPr lang="en-US" i="1" dirty="0" err="1" smtClean="0"/>
-              <a:t>get_TF_peaks</a:t>
-            </a:r>
-            <a:r>
-              <a:rPr lang="en-US" dirty="0" smtClean="0"/>
-              <a:t>): Activators, Repressors, </a:t>
-            </a:r>
-          </a:p>
-          <a:p>
-            <a:pPr lvl="1"/>
-            <a:r>
-              <a:rPr lang="en-US" dirty="0" smtClean="0"/>
-              <a:t>A lot; </a:t>
-            </a:r>
-            <a:r>
-              <a:rPr lang="en-US" dirty="0"/>
-              <a:t>CTCF, </a:t>
-            </a:r>
-            <a:r>
-              <a:rPr lang="en-US" dirty="0" smtClean="0"/>
-              <a:t>Oct2, Sox4, </a:t>
-            </a:r>
-            <a:r>
-              <a:rPr lang="en-US" dirty="0" err="1" smtClean="0"/>
-              <a:t>Nanog</a:t>
-            </a:r>
-            <a:r>
-              <a:rPr lang="en-US" dirty="0" smtClean="0"/>
-              <a:t>, P300, CBP, …</a:t>
-            </a:r>
-            <a:endParaRPr lang="en-US" dirty="0"/>
-          </a:p>
-          <a:p>
-            <a:pPr lvl="1"/>
-            <a:endParaRPr lang="en-US" dirty="0" smtClean="0"/>
-          </a:p>
-          <a:p>
-            <a:pPr marL="0" indent="0">
-              <a:buNone/>
-            </a:pPr>
-            <a:endParaRPr lang="en-US" dirty="0" smtClean="0"/>
-          </a:p>
-          <a:p>
-            <a:pPr marL="0" indent="0">
-              <a:buNone/>
-            </a:pPr>
-            <a:endParaRPr lang="en-US" dirty="0" smtClean="0"/>
-          </a:p>
-          <a:p>
-            <a:pPr lvl="1"/>
-            <a:endParaRPr lang="en-US" dirty="0"/>
+            <a:endParaRPr lang="en-US" sz="2800" dirty="0" smtClean="0"/>
           </a:p>
         </p:txBody>
       </p:sp>
     </p:spTree>
     <p:extLst>
       <p:ext uri="{BB962C8B-B14F-4D97-AF65-F5344CB8AC3E}">
-        <p14:creationId xmlns:p14="http://schemas.microsoft.com/office/powerpoint/2010/main" val="3793805292"/>
+        <p14:creationId xmlns:p14="http://schemas.microsoft.com/office/powerpoint/2010/main" val="2994545208"/>
       </p:ext>
     </p:extLst>
   </p:cSld>
